--- a/jspWorks/자료/jsp_ppt/주소록 프로젝트(DB 연결 않음).pptx
+++ b/jspWorks/자료/jsp_ppt/주소록 프로젝트(DB 연결 않음).pptx
@@ -5,26 +5,20 @@
     <p:sldMasterId id="2147483648" r:id="rId1"/>
   </p:sldMasterIdLst>
   <p:notesMasterIdLst>
-    <p:notesMasterId r:id="rId19"/>
+    <p:notesMasterId r:id="rId13"/>
   </p:notesMasterIdLst>
   <p:sldIdLst>
     <p:sldId id="256" r:id="rId2"/>
     <p:sldId id="380" r:id="rId3"/>
-    <p:sldId id="398" r:id="rId4"/>
-    <p:sldId id="381" r:id="rId5"/>
-    <p:sldId id="383" r:id="rId6"/>
-    <p:sldId id="388" r:id="rId7"/>
-    <p:sldId id="390" r:id="rId8"/>
-    <p:sldId id="382" r:id="rId9"/>
-    <p:sldId id="387" r:id="rId10"/>
+    <p:sldId id="381" r:id="rId4"/>
+    <p:sldId id="391" r:id="rId5"/>
+    <p:sldId id="382" r:id="rId6"/>
+    <p:sldId id="387" r:id="rId7"/>
+    <p:sldId id="383" r:id="rId8"/>
+    <p:sldId id="388" r:id="rId9"/>
+    <p:sldId id="390" r:id="rId10"/>
     <p:sldId id="384" r:id="rId11"/>
-    <p:sldId id="399" r:id="rId12"/>
-    <p:sldId id="385" r:id="rId13"/>
-    <p:sldId id="392" r:id="rId14"/>
-    <p:sldId id="393" r:id="rId15"/>
-    <p:sldId id="395" r:id="rId16"/>
-    <p:sldId id="397" r:id="rId17"/>
-    <p:sldId id="396" r:id="rId18"/>
+    <p:sldId id="385" r:id="rId12"/>
   </p:sldIdLst>
   <p:sldSz cx="9906000" cy="6858000" type="A4"/>
   <p:notesSz cx="6858000" cy="9144000"/>
@@ -125,7 +119,7 @@
   </p:defaultTextStyle>
   <p:extLst>
     <p:ext uri="{EFAFB233-063F-42B5-8137-9DF3F51BA10A}">
-      <p15:sldGuideLst xmlns:p15="http://schemas.microsoft.com/office/powerpoint/2012/main" xmlns="">
+      <p15:sldGuideLst xmlns:p15="http://schemas.microsoft.com/office/powerpoint/2012/main">
         <p15:guide id="1" orient="horz" pos="2160">
           <p15:clr>
             <a:srgbClr val="A4A3A4"/>
@@ -224,7 +218,7 @@
           <a:p>
             <a:fld id="{7665CDAC-D627-4E87-877A-1B781DD4CADC}" type="datetimeFigureOut">
               <a:rPr lang="ko-KR" altLang="en-US" smtClean="0"/>
-              <a:t>2022-07-23</a:t>
+              <a:t>2023-06-01</a:t>
             </a:fld>
             <a:endParaRPr lang="ko-KR" altLang="en-US"/>
           </a:p>
@@ -762,7 +756,7 @@
           <a:p>
             <a:fld id="{F4AC81B4-D91A-4578-85B3-829E63FCFE17}" type="datetime1">
               <a:rPr lang="ko-KR" altLang="en-US" smtClean="0"/>
-              <a:t>2022-07-23</a:t>
+              <a:t>2023-06-01</a:t>
             </a:fld>
             <a:endParaRPr lang="ko-KR" altLang="en-US"/>
           </a:p>
@@ -1137,7 +1131,7 @@
           <a:p>
             <a:fld id="{F5B77542-37E5-48F2-BAE7-80CC6B0EB6A3}" type="datetime1">
               <a:rPr lang="ko-KR" altLang="en-US" smtClean="0"/>
-              <a:t>2022-07-23</a:t>
+              <a:t>2023-06-01</a:t>
             </a:fld>
             <a:endParaRPr lang="ko-KR" altLang="en-US"/>
           </a:p>
@@ -1317,7 +1311,7 @@
           <a:p>
             <a:fld id="{227CF174-B5AC-4A98-B673-0BE8126D3F27}" type="datetime1">
               <a:rPr lang="ko-KR" altLang="en-US" smtClean="0"/>
-              <a:t>2022-07-23</a:t>
+              <a:t>2023-06-01</a:t>
             </a:fld>
             <a:endParaRPr lang="ko-KR" altLang="en-US"/>
           </a:p>
@@ -1491,7 +1485,7 @@
           <a:p>
             <a:fld id="{E20FDEC8-1339-42E8-9704-2977280C2FD3}" type="datetime1">
               <a:rPr lang="ko-KR" altLang="en-US" smtClean="0"/>
-              <a:t>2022-07-23</a:t>
+              <a:t>2023-06-01</a:t>
             </a:fld>
             <a:endParaRPr lang="ko-KR" altLang="en-US"/>
           </a:p>
@@ -1737,7 +1731,7 @@
           <a:p>
             <a:fld id="{4D18DC76-A282-4817-B790-197F054E1215}" type="datetime1">
               <a:rPr lang="ko-KR" altLang="en-US" smtClean="0"/>
-              <a:t>2022-07-23</a:t>
+              <a:t>2023-06-01</a:t>
             </a:fld>
             <a:endParaRPr lang="ko-KR" altLang="en-US"/>
           </a:p>
@@ -2025,7 +2019,7 @@
           <a:p>
             <a:fld id="{6680AA6C-13D8-43E4-90F0-E6C88A2B9F16}" type="datetime1">
               <a:rPr lang="ko-KR" altLang="en-US" smtClean="0"/>
-              <a:t>2022-07-23</a:t>
+              <a:t>2023-06-01</a:t>
             </a:fld>
             <a:endParaRPr lang="ko-KR" altLang="en-US"/>
           </a:p>
@@ -2447,7 +2441,7 @@
           <a:p>
             <a:fld id="{3EF5B03B-20CC-436E-8601-C933C6C1F4A6}" type="datetime1">
               <a:rPr lang="ko-KR" altLang="en-US" smtClean="0"/>
-              <a:t>2022-07-23</a:t>
+              <a:t>2023-06-01</a:t>
             </a:fld>
             <a:endParaRPr lang="ko-KR" altLang="en-US"/>
           </a:p>
@@ -2565,7 +2559,7 @@
           <a:p>
             <a:fld id="{87B5A15D-8B08-482F-AB47-E416EC355EB6}" type="datetime1">
               <a:rPr lang="ko-KR" altLang="en-US" smtClean="0"/>
-              <a:t>2022-07-23</a:t>
+              <a:t>2023-06-01</a:t>
             </a:fld>
             <a:endParaRPr lang="ko-KR" altLang="en-US"/>
           </a:p>
@@ -2660,7 +2654,7 @@
           <a:p>
             <a:fld id="{A877D7F8-7B64-44F8-A411-CBD22F28CBFF}" type="datetime1">
               <a:rPr lang="ko-KR" altLang="en-US" smtClean="0"/>
-              <a:t>2022-07-23</a:t>
+              <a:t>2023-06-01</a:t>
             </a:fld>
             <a:endParaRPr lang="ko-KR" altLang="en-US"/>
           </a:p>
@@ -2937,7 +2931,7 @@
           <a:p>
             <a:fld id="{E12DBD9B-2BB6-4D1F-BCB4-1E48829C93C3}" type="datetime1">
               <a:rPr lang="ko-KR" altLang="en-US" smtClean="0"/>
-              <a:t>2022-07-23</a:t>
+              <a:t>2023-06-01</a:t>
             </a:fld>
             <a:endParaRPr lang="ko-KR" altLang="en-US"/>
           </a:p>
@@ -3190,7 +3184,7 @@
           <a:p>
             <a:fld id="{17564C48-0CD7-40EB-BE64-BBF4DB8C56AF}" type="datetime1">
               <a:rPr lang="ko-KR" altLang="en-US" smtClean="0"/>
-              <a:t>2022-07-23</a:t>
+              <a:t>2023-06-01</a:t>
             </a:fld>
             <a:endParaRPr lang="ko-KR" altLang="en-US"/>
           </a:p>
@@ -3370,7 +3364,7 @@
           <a:p>
             <a:fld id="{C116BCB4-B68B-4638-8167-F4BDC0A30DA1}" type="datetime1">
               <a:rPr lang="ko-KR" altLang="en-US" smtClean="0"/>
-              <a:t>2022-07-23</a:t>
+              <a:t>2023-06-01</a:t>
             </a:fld>
             <a:endParaRPr lang="ko-KR" altLang="en-US"/>
           </a:p>
@@ -4188,7 +4182,7 @@
       </p:sp>
       <p:pic>
         <p:nvPicPr>
-          <p:cNvPr id="3" name="그림 2"/>
+          <p:cNvPr id="2" name="그림 1"/>
           <p:cNvPicPr>
             <a:picLocks noChangeAspect="1"/>
           </p:cNvPicPr>
@@ -4208,8 +4202,8 @@
         </p:blipFill>
         <p:spPr>
           <a:xfrm>
-            <a:off x="999207" y="1844824"/>
-            <a:ext cx="7963591" cy="3574090"/>
+            <a:off x="920552" y="1052736"/>
+            <a:ext cx="8550381" cy="5082980"/>
           </a:xfrm>
           <a:prstGeom prst="rect">
             <a:avLst/>
@@ -4228,7 +4222,7 @@
           <p:cNvPr id="7" name="모서리가 둥근 직사각형 6">
             <a:extLst>
               <a:ext uri="{FF2B5EF4-FFF2-40B4-BE49-F238E27FC236}">
-                <a16:creationId xmlns:a16="http://schemas.microsoft.com/office/drawing/2014/main" xmlns="" id="{792DA8B4-17B2-454B-97AC-17311A4832C5}"/>
+                <a16:creationId xmlns:a16="http://schemas.microsoft.com/office/drawing/2014/main" id="{792DA8B4-17B2-454B-97AC-17311A4832C5}"/>
               </a:ext>
             </a:extLst>
           </p:cNvPr>
@@ -4237,7 +4231,7 @@
         </p:nvSpPr>
         <p:spPr>
           <a:xfrm>
-            <a:off x="6946574" y="1355577"/>
+            <a:off x="7617296" y="1700808"/>
             <a:ext cx="2016224" cy="317650"/>
           </a:xfrm>
           <a:prstGeom prst="roundRect">
@@ -4358,6 +4352,11 @@
             </a:lvl1pPr>
           </a:lstStyle>
           <a:p>
+            <a:pPr>
+              <a:lnSpc>
+                <a:spcPct val="150000"/>
+              </a:lnSpc>
+            </a:pPr>
             <a:r>
               <a:rPr lang="en-US" altLang="ko-KR" dirty="0" smtClean="0"/>
               <a:t> </a:t>
@@ -4375,7 +4374,7 @@
               <a:t>(Address Book) </a:t>
             </a:r>
             <a:r>
-              <a:rPr lang="ko-KR" altLang="en-US" b="1" dirty="0" smtClean="0"/>
+              <a:rPr lang="ko-KR" altLang="en-US" b="1" dirty="0"/>
               <a:t>프로젝트</a:t>
             </a:r>
             <a:endParaRPr lang="en-US" altLang="ko-KR" b="1" dirty="0"/>
@@ -4404,8 +4403,8 @@
         </p:blipFill>
         <p:spPr>
           <a:xfrm>
-            <a:off x="1496616" y="1052735"/>
-            <a:ext cx="6317528" cy="5311601"/>
+            <a:off x="920552" y="1124744"/>
+            <a:ext cx="7854191" cy="5112568"/>
           </a:xfrm>
           <a:prstGeom prst="rect">
             <a:avLst/>
@@ -4421,10 +4420,10 @@
       </p:pic>
       <p:sp>
         <p:nvSpPr>
-          <p:cNvPr id="7" name="모서리가 둥근 직사각형 6">
+          <p:cNvPr id="8" name="모서리가 둥근 직사각형 7">
             <a:extLst>
               <a:ext uri="{FF2B5EF4-FFF2-40B4-BE49-F238E27FC236}">
-                <a16:creationId xmlns:a16="http://schemas.microsoft.com/office/drawing/2014/main" xmlns="" id="{792DA8B4-17B2-454B-97AC-17311A4832C5}"/>
+                <a16:creationId xmlns:a16="http://schemas.microsoft.com/office/drawing/2014/main" id="{792DA8B4-17B2-454B-97AC-17311A4832C5}"/>
               </a:ext>
             </a:extLst>
           </p:cNvPr>
@@ -4433,8 +4432,8 @@
         </p:nvSpPr>
         <p:spPr>
           <a:xfrm>
-            <a:off x="6987226" y="1844824"/>
-            <a:ext cx="2016224" cy="317650"/>
+            <a:off x="7401272" y="1700808"/>
+            <a:ext cx="1728192" cy="317650"/>
           </a:xfrm>
           <a:prstGeom prst="roundRect">
             <a:avLst/>
@@ -4471,7 +4470,7 @@
                   <a:sysClr val="windowText" lastClr="000000"/>
                 </a:solidFill>
               </a:rPr>
-              <a:t>addrAdd.jsp</a:t>
+              <a:t>addrList.jsp</a:t>
             </a:r>
             <a:endParaRPr lang="en-US" altLang="ko-KR" sz="1600" dirty="0" smtClean="0">
               <a:solidFill>
@@ -4484,1504 +4483,7 @@
     </p:spTree>
     <p:extLst>
       <p:ext uri="{BB962C8B-B14F-4D97-AF65-F5344CB8AC3E}">
-        <p14:creationId xmlns:p14="http://schemas.microsoft.com/office/powerpoint/2010/main" val="4023889368"/>
-      </p:ext>
-    </p:extLst>
-  </p:cSld>
-  <p:clrMapOvr>
-    <a:masterClrMapping/>
-  </p:clrMapOvr>
-  <p:timing>
-    <p:tnLst>
-      <p:par>
-        <p:cTn id="1" dur="indefinite" restart="never" nodeType="tmRoot"/>
-      </p:par>
-    </p:tnLst>
-  </p:timing>
-</p:sld>
-</file>
-
-<file path=ppt/slides/slide12.xml><?xml version="1.0" encoding="utf-8"?>
-<p:sld xmlns:a="http://schemas.openxmlformats.org/drawingml/2006/main" xmlns:r="http://schemas.openxmlformats.org/officeDocument/2006/relationships" xmlns:p="http://schemas.openxmlformats.org/presentationml/2006/main">
-  <p:cSld>
-    <p:spTree>
-      <p:nvGrpSpPr>
-        <p:cNvPr id="1" name=""/>
-        <p:cNvGrpSpPr/>
-        <p:nvPr/>
-      </p:nvGrpSpPr>
-      <p:grpSpPr>
-        <a:xfrm>
-          <a:off x="0" y="0"/>
-          <a:ext cx="0" cy="0"/>
-          <a:chOff x="0" y="0"/>
-          <a:chExt cx="0" cy="0"/>
-        </a:xfrm>
-      </p:grpSpPr>
-      <p:sp>
-        <p:nvSpPr>
-          <p:cNvPr id="15" name="제목 5"/>
-          <p:cNvSpPr txBox="1">
-            <a:spLocks/>
-          </p:cNvSpPr>
-          <p:nvPr/>
-        </p:nvSpPr>
-        <p:spPr>
-          <a:xfrm>
-            <a:off x="0" y="-27384"/>
-            <a:ext cx="7995338" cy="854968"/>
-          </a:xfrm>
-          <a:prstGeom prst="rect">
-            <a:avLst/>
-          </a:prstGeom>
-        </p:spPr>
-        <p:txBody>
-          <a:bodyPr anchor="ctr" anchorCtr="0"/>
-          <a:lstStyle>
-            <a:lvl1pPr algn="l" defTabSz="914400" rtl="0" eaLnBrk="1" latinLnBrk="1" hangingPunct="1">
-              <a:spcBef>
-                <a:spcPct val="0"/>
-              </a:spcBef>
-              <a:buNone/>
-              <a:defRPr sz="3200" kern="1200">
-                <a:solidFill>
-                  <a:schemeClr val="bg1"/>
-                </a:solidFill>
-                <a:latin typeface="HY헤드라인M" panose="02030600000101010101" pitchFamily="18" charset="-127"/>
-                <a:ea typeface="HY헤드라인M" panose="02030600000101010101" pitchFamily="18" charset="-127"/>
-                <a:cs typeface="+mj-cs"/>
-              </a:defRPr>
-            </a:lvl1pPr>
-          </a:lstStyle>
-          <a:p>
-            <a:pPr>
-              <a:lnSpc>
-                <a:spcPct val="150000"/>
-              </a:lnSpc>
-            </a:pPr>
-            <a:r>
-              <a:rPr lang="en-US" altLang="ko-KR" dirty="0" smtClean="0"/>
-              <a:t> </a:t>
-            </a:r>
-            <a:r>
-              <a:rPr lang="ko-KR" altLang="en-US" dirty="0"/>
-              <a:t> </a:t>
-            </a:r>
-            <a:r>
-              <a:rPr lang="ko-KR" altLang="en-US" b="1" dirty="0"/>
-              <a:t>주소록</a:t>
-            </a:r>
-            <a:r>
-              <a:rPr lang="en-US" altLang="ko-KR" b="1" dirty="0"/>
-              <a:t>(Address Book) </a:t>
-            </a:r>
-            <a:r>
-              <a:rPr lang="ko-KR" altLang="en-US" b="1" dirty="0"/>
-              <a:t>프로젝트</a:t>
-            </a:r>
-            <a:endParaRPr lang="en-US" altLang="ko-KR" b="1" dirty="0"/>
-          </a:p>
-        </p:txBody>
-      </p:sp>
-      <p:pic>
-        <p:nvPicPr>
-          <p:cNvPr id="2" name="그림 1"/>
-          <p:cNvPicPr>
-            <a:picLocks noChangeAspect="1"/>
-          </p:cNvPicPr>
-          <p:nvPr/>
-        </p:nvPicPr>
-        <p:blipFill>
-          <a:blip r:embed="rId2">
-            <a:extLst>
-              <a:ext uri="{28A0092B-C50C-407E-A947-70E740481C1C}">
-                <a14:useLocalDpi xmlns:a14="http://schemas.microsoft.com/office/drawing/2010/main" val="0"/>
-              </a:ext>
-            </a:extLst>
-          </a:blip>
-          <a:stretch>
-            <a:fillRect/>
-          </a:stretch>
-        </p:blipFill>
-        <p:spPr>
-          <a:xfrm>
-            <a:off x="449830" y="912574"/>
-            <a:ext cx="9186492" cy="5328592"/>
-          </a:xfrm>
-          <a:prstGeom prst="rect">
-            <a:avLst/>
-          </a:prstGeom>
-          <a:ln>
-            <a:solidFill>
-              <a:schemeClr val="bg1">
-                <a:lumMod val="85000"/>
-              </a:schemeClr>
-            </a:solidFill>
-          </a:ln>
-        </p:spPr>
-      </p:pic>
-      <p:sp>
-        <p:nvSpPr>
-          <p:cNvPr id="8" name="모서리가 둥근 직사각형 7">
-            <a:extLst>
-              <a:ext uri="{FF2B5EF4-FFF2-40B4-BE49-F238E27FC236}">
-                <a16:creationId xmlns:a16="http://schemas.microsoft.com/office/drawing/2014/main" xmlns="" id="{792DA8B4-17B2-454B-97AC-17311A4832C5}"/>
-              </a:ext>
-            </a:extLst>
-          </p:cNvPr>
-          <p:cNvSpPr/>
-          <p:nvPr/>
-        </p:nvSpPr>
-        <p:spPr>
-          <a:xfrm>
-            <a:off x="7761312" y="1484784"/>
-            <a:ext cx="2016224" cy="317650"/>
-          </a:xfrm>
-          <a:prstGeom prst="roundRect">
-            <a:avLst/>
-          </a:prstGeom>
-          <a:noFill/>
-          <a:ln w="12700">
-            <a:solidFill>
-              <a:schemeClr val="tx1"/>
-            </a:solidFill>
-          </a:ln>
-        </p:spPr>
-        <p:style>
-          <a:lnRef idx="2">
-            <a:schemeClr val="accent2"/>
-          </a:lnRef>
-          <a:fillRef idx="1">
-            <a:schemeClr val="lt1"/>
-          </a:fillRef>
-          <a:effectRef idx="0">
-            <a:schemeClr val="accent2"/>
-          </a:effectRef>
-          <a:fontRef idx="minor">
-            <a:schemeClr val="dk1"/>
-          </a:fontRef>
-        </p:style>
-        <p:txBody>
-          <a:bodyPr rtlCol="0" anchor="ctr"/>
-          <a:lstStyle/>
-          <a:p>
-            <a:pPr algn="ctr"/>
-            <a:r>
-              <a:rPr lang="en-US" altLang="ko-KR" sz="1600" dirty="0" err="1" smtClean="0">
-                <a:solidFill>
-                  <a:sysClr val="windowText" lastClr="000000"/>
-                </a:solidFill>
-              </a:rPr>
-              <a:t>addrList.jsp</a:t>
-            </a:r>
-            <a:endParaRPr lang="en-US" altLang="ko-KR" sz="1600" dirty="0" smtClean="0">
-              <a:solidFill>
-                <a:sysClr val="windowText" lastClr="000000"/>
-              </a:solidFill>
-            </a:endParaRPr>
-          </a:p>
-        </p:txBody>
-      </p:sp>
-    </p:spTree>
-    <p:extLst>
-      <p:ext uri="{BB962C8B-B14F-4D97-AF65-F5344CB8AC3E}">
         <p14:creationId xmlns:p14="http://schemas.microsoft.com/office/powerpoint/2010/main" val="3146271359"/>
-      </p:ext>
-    </p:extLst>
-  </p:cSld>
-  <p:clrMapOvr>
-    <a:masterClrMapping/>
-  </p:clrMapOvr>
-  <p:timing>
-    <p:tnLst>
-      <p:par>
-        <p:cTn id="1" dur="indefinite" restart="never" nodeType="tmRoot"/>
-      </p:par>
-    </p:tnLst>
-  </p:timing>
-</p:sld>
-</file>
-
-<file path=ppt/slides/slide13.xml><?xml version="1.0" encoding="utf-8"?>
-<p:sld xmlns:a="http://schemas.openxmlformats.org/drawingml/2006/main" xmlns:r="http://schemas.openxmlformats.org/officeDocument/2006/relationships" xmlns:p="http://schemas.openxmlformats.org/presentationml/2006/main">
-  <p:cSld>
-    <p:spTree>
-      <p:nvGrpSpPr>
-        <p:cNvPr id="1" name=""/>
-        <p:cNvGrpSpPr/>
-        <p:nvPr/>
-      </p:nvGrpSpPr>
-      <p:grpSpPr>
-        <a:xfrm>
-          <a:off x="0" y="0"/>
-          <a:ext cx="0" cy="0"/>
-          <a:chOff x="0" y="0"/>
-          <a:chExt cx="0" cy="0"/>
-        </a:xfrm>
-      </p:grpSpPr>
-      <p:sp>
-        <p:nvSpPr>
-          <p:cNvPr id="15" name="제목 5"/>
-          <p:cNvSpPr txBox="1">
-            <a:spLocks/>
-          </p:cNvSpPr>
-          <p:nvPr/>
-        </p:nvSpPr>
-        <p:spPr>
-          <a:xfrm>
-            <a:off x="0" y="-27384"/>
-            <a:ext cx="7995338" cy="854968"/>
-          </a:xfrm>
-          <a:prstGeom prst="rect">
-            <a:avLst/>
-          </a:prstGeom>
-        </p:spPr>
-        <p:txBody>
-          <a:bodyPr anchor="ctr" anchorCtr="0"/>
-          <a:lstStyle>
-            <a:lvl1pPr algn="l" defTabSz="914400" rtl="0" eaLnBrk="1" latinLnBrk="1" hangingPunct="1">
-              <a:spcBef>
-                <a:spcPct val="0"/>
-              </a:spcBef>
-              <a:buNone/>
-              <a:defRPr sz="3200" kern="1200">
-                <a:solidFill>
-                  <a:schemeClr val="bg1"/>
-                </a:solidFill>
-                <a:latin typeface="HY헤드라인M" panose="02030600000101010101" pitchFamily="18" charset="-127"/>
-                <a:ea typeface="HY헤드라인M" panose="02030600000101010101" pitchFamily="18" charset="-127"/>
-                <a:cs typeface="+mj-cs"/>
-              </a:defRPr>
-            </a:lvl1pPr>
-          </a:lstStyle>
-          <a:p>
-            <a:pPr>
-              <a:lnSpc>
-                <a:spcPct val="150000"/>
-              </a:lnSpc>
-            </a:pPr>
-            <a:r>
-              <a:rPr lang="en-US" altLang="ko-KR" dirty="0" smtClean="0"/>
-              <a:t> </a:t>
-            </a:r>
-            <a:r>
-              <a:rPr lang="ko-KR" altLang="en-US" dirty="0"/>
-              <a:t> </a:t>
-            </a:r>
-            <a:r>
-              <a:rPr lang="ko-KR" altLang="en-US" b="1" dirty="0"/>
-              <a:t>주소록</a:t>
-            </a:r>
-            <a:r>
-              <a:rPr lang="en-US" altLang="ko-KR" b="1" dirty="0"/>
-              <a:t>(Address Book) </a:t>
-            </a:r>
-            <a:r>
-              <a:rPr lang="ko-KR" altLang="en-US" b="1" dirty="0"/>
-              <a:t>프로젝트</a:t>
-            </a:r>
-            <a:endParaRPr lang="en-US" altLang="ko-KR" b="1" dirty="0"/>
-          </a:p>
-        </p:txBody>
-      </p:sp>
-      <p:sp>
-        <p:nvSpPr>
-          <p:cNvPr id="11" name="TextBox 10"/>
-          <p:cNvSpPr txBox="1"/>
-          <p:nvPr/>
-        </p:nvSpPr>
-        <p:spPr>
-          <a:xfrm>
-            <a:off x="721037" y="980728"/>
-            <a:ext cx="8712968" cy="553998"/>
-          </a:xfrm>
-          <a:prstGeom prst="rect">
-            <a:avLst/>
-          </a:prstGeom>
-          <a:noFill/>
-        </p:spPr>
-        <p:txBody>
-          <a:bodyPr wrap="square" rtlCol="0">
-            <a:spAutoFit/>
-          </a:bodyPr>
-          <a:lstStyle/>
-          <a:p>
-            <a:pPr>
-              <a:lnSpc>
-                <a:spcPct val="150000"/>
-              </a:lnSpc>
-            </a:pPr>
-            <a:r>
-              <a:rPr lang="ko-KR" altLang="en-US" sz="2000" b="1" dirty="0" smtClean="0"/>
-              <a:t>주소록</a:t>
-            </a:r>
-            <a:r>
-              <a:rPr lang="en-US" altLang="ko-KR" sz="2000" b="1" dirty="0" smtClean="0"/>
-              <a:t>(Address Book) </a:t>
-            </a:r>
-            <a:r>
-              <a:rPr lang="ko-KR" altLang="en-US" sz="2000" b="1" dirty="0" smtClean="0"/>
-              <a:t>구현 </a:t>
-            </a:r>
-            <a:r>
-              <a:rPr lang="en-US" altLang="ko-KR" sz="2000" b="1" dirty="0" smtClean="0"/>
-              <a:t>– </a:t>
-            </a:r>
-            <a:r>
-              <a:rPr lang="ko-KR" altLang="en-US" sz="2000" b="1" dirty="0" smtClean="0"/>
-              <a:t>상세보기</a:t>
-            </a:r>
-            <a:r>
-              <a:rPr lang="en-US" altLang="ko-KR" sz="2000" b="1" dirty="0" smtClean="0"/>
-              <a:t>, </a:t>
-            </a:r>
-            <a:r>
-              <a:rPr lang="ko-KR" altLang="en-US" sz="2000" b="1" dirty="0" smtClean="0"/>
-              <a:t>삭제하기</a:t>
-            </a:r>
-            <a:endParaRPr lang="en-US" altLang="ko-KR" sz="2000" b="1" dirty="0" smtClean="0"/>
-          </a:p>
-        </p:txBody>
-      </p:sp>
-      <p:pic>
-        <p:nvPicPr>
-          <p:cNvPr id="2" name="그림 1"/>
-          <p:cNvPicPr>
-            <a:picLocks noChangeAspect="1"/>
-          </p:cNvPicPr>
-          <p:nvPr/>
-        </p:nvPicPr>
-        <p:blipFill>
-          <a:blip r:embed="rId2">
-            <a:extLst>
-              <a:ext uri="{28A0092B-C50C-407E-A947-70E740481C1C}">
-                <a14:useLocalDpi xmlns:a14="http://schemas.microsoft.com/office/drawing/2010/main" val="0"/>
-              </a:ext>
-            </a:extLst>
-          </a:blip>
-          <a:stretch>
-            <a:fillRect/>
-          </a:stretch>
-        </p:blipFill>
-        <p:spPr>
-          <a:xfrm>
-            <a:off x="5529064" y="1556792"/>
-            <a:ext cx="3240360" cy="2279555"/>
-          </a:xfrm>
-          <a:prstGeom prst="rect">
-            <a:avLst/>
-          </a:prstGeom>
-        </p:spPr>
-      </p:pic>
-      <p:pic>
-        <p:nvPicPr>
-          <p:cNvPr id="3" name="그림 2"/>
-          <p:cNvPicPr>
-            <a:picLocks noChangeAspect="1"/>
-          </p:cNvPicPr>
-          <p:nvPr/>
-        </p:nvPicPr>
-        <p:blipFill>
-          <a:blip r:embed="rId3">
-            <a:extLst>
-              <a:ext uri="{28A0092B-C50C-407E-A947-70E740481C1C}">
-                <a14:useLocalDpi xmlns:a14="http://schemas.microsoft.com/office/drawing/2010/main" val="0"/>
-              </a:ext>
-            </a:extLst>
-          </a:blip>
-          <a:stretch>
-            <a:fillRect/>
-          </a:stretch>
-        </p:blipFill>
-        <p:spPr>
-          <a:xfrm>
-            <a:off x="2864768" y="4221088"/>
-            <a:ext cx="3888432" cy="1991986"/>
-          </a:xfrm>
-          <a:prstGeom prst="rect">
-            <a:avLst/>
-          </a:prstGeom>
-        </p:spPr>
-      </p:pic>
-      <p:pic>
-        <p:nvPicPr>
-          <p:cNvPr id="4" name="그림 3"/>
-          <p:cNvPicPr>
-            <a:picLocks noChangeAspect="1"/>
-          </p:cNvPicPr>
-          <p:nvPr/>
-        </p:nvPicPr>
-        <p:blipFill>
-          <a:blip r:embed="rId4">
-            <a:extLst>
-              <a:ext uri="{28A0092B-C50C-407E-A947-70E740481C1C}">
-                <a14:useLocalDpi xmlns:a14="http://schemas.microsoft.com/office/drawing/2010/main" val="0"/>
-              </a:ext>
-            </a:extLst>
-          </a:blip>
-          <a:stretch>
-            <a:fillRect/>
-          </a:stretch>
-        </p:blipFill>
-        <p:spPr>
-          <a:xfrm>
-            <a:off x="920553" y="1625076"/>
-            <a:ext cx="4470940" cy="2524004"/>
-          </a:xfrm>
-          <a:prstGeom prst="rect">
-            <a:avLst/>
-          </a:prstGeom>
-        </p:spPr>
-      </p:pic>
-    </p:spTree>
-    <p:extLst>
-      <p:ext uri="{BB962C8B-B14F-4D97-AF65-F5344CB8AC3E}">
-        <p14:creationId xmlns:p14="http://schemas.microsoft.com/office/powerpoint/2010/main" val="596384942"/>
-      </p:ext>
-    </p:extLst>
-  </p:cSld>
-  <p:clrMapOvr>
-    <a:masterClrMapping/>
-  </p:clrMapOvr>
-  <p:timing>
-    <p:tnLst>
-      <p:par>
-        <p:cTn id="1" dur="indefinite" restart="never" nodeType="tmRoot"/>
-      </p:par>
-    </p:tnLst>
-  </p:timing>
-</p:sld>
-</file>
-
-<file path=ppt/slides/slide14.xml><?xml version="1.0" encoding="utf-8"?>
-<p:sld xmlns:a="http://schemas.openxmlformats.org/drawingml/2006/main" xmlns:r="http://schemas.openxmlformats.org/officeDocument/2006/relationships" xmlns:p="http://schemas.openxmlformats.org/presentationml/2006/main">
-  <p:cSld>
-    <p:spTree>
-      <p:nvGrpSpPr>
-        <p:cNvPr id="1" name=""/>
-        <p:cNvGrpSpPr/>
-        <p:nvPr/>
-      </p:nvGrpSpPr>
-      <p:grpSpPr>
-        <a:xfrm>
-          <a:off x="0" y="0"/>
-          <a:ext cx="0" cy="0"/>
-          <a:chOff x="0" y="0"/>
-          <a:chExt cx="0" cy="0"/>
-        </a:xfrm>
-      </p:grpSpPr>
-      <p:sp>
-        <p:nvSpPr>
-          <p:cNvPr id="15" name="제목 5"/>
-          <p:cNvSpPr txBox="1">
-            <a:spLocks/>
-          </p:cNvSpPr>
-          <p:nvPr/>
-        </p:nvSpPr>
-        <p:spPr>
-          <a:xfrm>
-            <a:off x="0" y="-27384"/>
-            <a:ext cx="7995338" cy="854968"/>
-          </a:xfrm>
-          <a:prstGeom prst="rect">
-            <a:avLst/>
-          </a:prstGeom>
-        </p:spPr>
-        <p:txBody>
-          <a:bodyPr anchor="ctr" anchorCtr="0"/>
-          <a:lstStyle>
-            <a:lvl1pPr algn="l" defTabSz="914400" rtl="0" eaLnBrk="1" latinLnBrk="1" hangingPunct="1">
-              <a:spcBef>
-                <a:spcPct val="0"/>
-              </a:spcBef>
-              <a:buNone/>
-              <a:defRPr sz="3200" kern="1200">
-                <a:solidFill>
-                  <a:schemeClr val="bg1"/>
-                </a:solidFill>
-                <a:latin typeface="HY헤드라인M" panose="02030600000101010101" pitchFamily="18" charset="-127"/>
-                <a:ea typeface="HY헤드라인M" panose="02030600000101010101" pitchFamily="18" charset="-127"/>
-                <a:cs typeface="+mj-cs"/>
-              </a:defRPr>
-            </a:lvl1pPr>
-          </a:lstStyle>
-          <a:p>
-            <a:r>
-              <a:rPr lang="en-US" altLang="ko-KR" dirty="0" smtClean="0"/>
-              <a:t> </a:t>
-            </a:r>
-            <a:r>
-              <a:rPr lang="ko-KR" altLang="en-US" dirty="0"/>
-              <a:t> </a:t>
-            </a:r>
-            <a:r>
-              <a:rPr lang="ko-KR" altLang="en-US" b="1" dirty="0"/>
-              <a:t>주소록</a:t>
-            </a:r>
-            <a:r>
-              <a:rPr lang="en-US" altLang="ko-KR" b="1" dirty="0"/>
-              <a:t>(Address Book) </a:t>
-            </a:r>
-            <a:r>
-              <a:rPr lang="ko-KR" altLang="en-US" b="1" dirty="0" smtClean="0"/>
-              <a:t>프로젝트</a:t>
-            </a:r>
-            <a:endParaRPr lang="en-US" altLang="ko-KR" b="1" dirty="0"/>
-          </a:p>
-        </p:txBody>
-      </p:sp>
-      <p:sp>
-        <p:nvSpPr>
-          <p:cNvPr id="11" name="TextBox 10"/>
-          <p:cNvSpPr txBox="1"/>
-          <p:nvPr/>
-        </p:nvSpPr>
-        <p:spPr>
-          <a:xfrm>
-            <a:off x="721037" y="980728"/>
-            <a:ext cx="8712968" cy="553998"/>
-          </a:xfrm>
-          <a:prstGeom prst="rect">
-            <a:avLst/>
-          </a:prstGeom>
-          <a:noFill/>
-        </p:spPr>
-        <p:txBody>
-          <a:bodyPr wrap="square" rtlCol="0">
-            <a:spAutoFit/>
-          </a:bodyPr>
-          <a:lstStyle/>
-          <a:p>
-            <a:pPr>
-              <a:lnSpc>
-                <a:spcPct val="150000"/>
-              </a:lnSpc>
-            </a:pPr>
-            <a:r>
-              <a:rPr lang="ko-KR" altLang="en-US" sz="2000" b="1" dirty="0" smtClean="0"/>
-              <a:t>주소록</a:t>
-            </a:r>
-            <a:r>
-              <a:rPr lang="en-US" altLang="ko-KR" sz="2000" b="1" dirty="0" smtClean="0"/>
-              <a:t>(Address Book) </a:t>
-            </a:r>
-            <a:r>
-              <a:rPr lang="ko-KR" altLang="en-US" sz="2000" b="1" dirty="0" smtClean="0"/>
-              <a:t>구현 </a:t>
-            </a:r>
-            <a:r>
-              <a:rPr lang="en-US" altLang="ko-KR" sz="2000" b="1" dirty="0" smtClean="0"/>
-              <a:t>– </a:t>
-            </a:r>
-            <a:r>
-              <a:rPr lang="ko-KR" altLang="en-US" sz="2000" b="1" dirty="0"/>
-              <a:t>상세보기</a:t>
-            </a:r>
-            <a:r>
-              <a:rPr lang="en-US" altLang="ko-KR" sz="2000" b="1" dirty="0"/>
-              <a:t>, </a:t>
-            </a:r>
-            <a:r>
-              <a:rPr lang="ko-KR" altLang="en-US" sz="2000" b="1" dirty="0" smtClean="0"/>
-              <a:t>삭제하기 추가</a:t>
-            </a:r>
-            <a:endParaRPr lang="en-US" altLang="ko-KR" sz="2000" b="1" dirty="0" smtClean="0"/>
-          </a:p>
-        </p:txBody>
-      </p:sp>
-      <p:graphicFrame>
-        <p:nvGraphicFramePr>
-          <p:cNvPr id="7" name="표 6"/>
-          <p:cNvGraphicFramePr>
-            <a:graphicFrameLocks noGrp="1"/>
-          </p:cNvGraphicFramePr>
-          <p:nvPr>
-            <p:extLst>
-              <p:ext uri="{D42A27DB-BD31-4B8C-83A1-F6EECF244321}">
-                <p14:modId xmlns:p14="http://schemas.microsoft.com/office/powerpoint/2010/main" val="2275275449"/>
-              </p:ext>
-            </p:extLst>
-          </p:nvPr>
-        </p:nvGraphicFramePr>
-        <p:xfrm>
-          <a:off x="695973" y="2206352"/>
-          <a:ext cx="8496944" cy="1654696"/>
-        </p:xfrm>
-        <a:graphic>
-          <a:graphicData uri="http://schemas.openxmlformats.org/drawingml/2006/table">
-            <a:tbl>
-              <a:tblPr firstRow="1" bandRow="1">
-                <a:tableStyleId>{5940675A-B579-460E-94D1-54222C63F5DA}</a:tableStyleId>
-              </a:tblPr>
-              <a:tblGrid>
-                <a:gridCol w="2240803"/>
-                <a:gridCol w="6256141"/>
-              </a:tblGrid>
-              <a:tr h="371462">
-                <a:tc>
-                  <a:txBody>
-                    <a:bodyPr/>
-                    <a:lstStyle/>
-                    <a:p>
-                      <a:pPr algn="ctr" latinLnBrk="1"/>
-                      <a:r>
-                        <a:rPr lang="ko-KR" altLang="en-US" sz="1600" dirty="0" smtClean="0"/>
-                        <a:t>파일 이름</a:t>
-                      </a:r>
-                      <a:endParaRPr lang="ko-KR" altLang="en-US" sz="1600" dirty="0"/>
-                    </a:p>
-                  </a:txBody>
-                  <a:tcPr anchor="ctr">
-                    <a:lnL w="12700" cmpd="sng">
-                      <a:noFill/>
-                    </a:lnL>
-                    <a:solidFill>
-                      <a:schemeClr val="bg1">
-                        <a:lumMod val="95000"/>
-                      </a:schemeClr>
-                    </a:solidFill>
-                  </a:tcPr>
-                </a:tc>
-                <a:tc>
-                  <a:txBody>
-                    <a:bodyPr/>
-                    <a:lstStyle/>
-                    <a:p>
-                      <a:pPr algn="ctr" latinLnBrk="1"/>
-                      <a:r>
-                        <a:rPr lang="ko-KR" altLang="en-US" sz="1600" dirty="0" smtClean="0"/>
-                        <a:t>역 할</a:t>
-                      </a:r>
-                      <a:endParaRPr lang="ko-KR" altLang="en-US" sz="1600" dirty="0"/>
-                    </a:p>
-                  </a:txBody>
-                  <a:tcPr anchor="ctr">
-                    <a:lnR w="12700" cmpd="sng">
-                      <a:noFill/>
-                    </a:lnR>
-                    <a:solidFill>
-                      <a:schemeClr val="bg1">
-                        <a:lumMod val="95000"/>
-                      </a:schemeClr>
-                    </a:solidFill>
-                  </a:tcPr>
-                </a:tc>
-              </a:tr>
-              <a:tr h="641617">
-                <a:tc>
-                  <a:txBody>
-                    <a:bodyPr/>
-                    <a:lstStyle/>
-                    <a:p>
-                      <a:pPr algn="l" latinLnBrk="1"/>
-                      <a:r>
-                        <a:rPr lang="en-US" altLang="ko-KR" sz="1800" dirty="0" smtClean="0"/>
-                        <a:t> </a:t>
-                      </a:r>
-                      <a:r>
-                        <a:rPr lang="en-US" altLang="ko-KR" sz="1800" dirty="0" err="1" smtClean="0"/>
-                        <a:t>addrView.jsp</a:t>
-                      </a:r>
-                      <a:endParaRPr lang="en-US" altLang="ko-KR" sz="1800" dirty="0" smtClean="0"/>
-                    </a:p>
-                  </a:txBody>
-                  <a:tcPr anchor="ctr">
-                    <a:lnL w="12700" cmpd="sng">
-                      <a:noFill/>
-                    </a:lnL>
-                  </a:tcPr>
-                </a:tc>
-                <a:tc>
-                  <a:txBody>
-                    <a:bodyPr/>
-                    <a:lstStyle/>
-                    <a:p>
-                      <a:pPr marL="0" marR="0" lvl="0" indent="0" algn="l" defTabSz="914400" rtl="0" eaLnBrk="1" fontAlgn="auto" latinLnBrk="1" hangingPunct="1">
-                        <a:lnSpc>
-                          <a:spcPct val="100000"/>
-                        </a:lnSpc>
-                        <a:spcBef>
-                          <a:spcPts val="0"/>
-                        </a:spcBef>
-                        <a:spcAft>
-                          <a:spcPts val="0"/>
-                        </a:spcAft>
-                        <a:buClrTx/>
-                        <a:buSzTx/>
-                        <a:buFontTx/>
-                        <a:buNone/>
-                        <a:tabLst/>
-                        <a:defRPr/>
-                      </a:pPr>
-                      <a:r>
-                        <a:rPr lang="ko-KR" altLang="en-US" sz="1600" dirty="0" smtClean="0"/>
-                        <a:t> 목록에서 보기 버튼을 누르면 </a:t>
-                      </a:r>
-                      <a:r>
-                        <a:rPr lang="en-US" altLang="ko-KR" sz="1600" dirty="0" err="1" smtClean="0"/>
-                        <a:t>AddrBookDAO</a:t>
-                      </a:r>
-                      <a:r>
-                        <a:rPr lang="ko-KR" altLang="en-US" sz="1600" dirty="0" smtClean="0"/>
-                        <a:t>를 이용해 데이터 상</a:t>
-                      </a:r>
-                      <a:endParaRPr lang="en-US" altLang="ko-KR" sz="1600" dirty="0" smtClean="0"/>
-                    </a:p>
-                    <a:p>
-                      <a:pPr marL="0" marR="0" lvl="0" indent="0" algn="l" defTabSz="914400" rtl="0" eaLnBrk="1" fontAlgn="auto" latinLnBrk="1" hangingPunct="1">
-                        <a:lnSpc>
-                          <a:spcPct val="100000"/>
-                        </a:lnSpc>
-                        <a:spcBef>
-                          <a:spcPts val="0"/>
-                        </a:spcBef>
-                        <a:spcAft>
-                          <a:spcPts val="0"/>
-                        </a:spcAft>
-                        <a:buClrTx/>
-                        <a:buSzTx/>
-                        <a:buFontTx/>
-                        <a:buNone/>
-                        <a:tabLst/>
-                        <a:defRPr/>
-                      </a:pPr>
-                      <a:r>
-                        <a:rPr lang="en-US" altLang="ko-KR" sz="1600" dirty="0" smtClean="0"/>
-                        <a:t> </a:t>
-                      </a:r>
-                      <a:r>
-                        <a:rPr lang="ko-KR" altLang="en-US" sz="1600" dirty="0" smtClean="0"/>
-                        <a:t>세 보기 기능 수행</a:t>
-                      </a:r>
-                    </a:p>
-                  </a:txBody>
-                  <a:tcPr anchor="ctr">
-                    <a:lnR w="12700" cmpd="sng">
-                      <a:noFill/>
-                    </a:lnR>
-                  </a:tcPr>
-                </a:tc>
-              </a:tr>
-              <a:tr h="641617">
-                <a:tc>
-                  <a:txBody>
-                    <a:bodyPr/>
-                    <a:lstStyle/>
-                    <a:p>
-                      <a:pPr algn="l" latinLnBrk="1"/>
-                      <a:r>
-                        <a:rPr lang="en-US" altLang="ko-KR" sz="1800" dirty="0" smtClean="0"/>
-                        <a:t> </a:t>
-                      </a:r>
-                      <a:r>
-                        <a:rPr lang="en-US" altLang="ko-KR" sz="1800" dirty="0" err="1" smtClean="0"/>
-                        <a:t>addrDelete.jsp</a:t>
-                      </a:r>
-                      <a:endParaRPr lang="en-US" altLang="ko-KR" sz="1800" dirty="0" smtClean="0"/>
-                    </a:p>
-                  </a:txBody>
-                  <a:tcPr anchor="ctr">
-                    <a:lnL w="12700" cmpd="sng">
-                      <a:noFill/>
-                    </a:lnL>
-                  </a:tcPr>
-                </a:tc>
-                <a:tc>
-                  <a:txBody>
-                    <a:bodyPr/>
-                    <a:lstStyle/>
-                    <a:p>
-                      <a:pPr marL="0" marR="0" lvl="0" indent="0" algn="l" defTabSz="914400" rtl="0" eaLnBrk="1" fontAlgn="auto" latinLnBrk="1" hangingPunct="1">
-                        <a:lnSpc>
-                          <a:spcPct val="100000"/>
-                        </a:lnSpc>
-                        <a:spcBef>
-                          <a:spcPts val="0"/>
-                        </a:spcBef>
-                        <a:spcAft>
-                          <a:spcPts val="0"/>
-                        </a:spcAft>
-                        <a:buClrTx/>
-                        <a:buSzTx/>
-                        <a:buFontTx/>
-                        <a:buNone/>
-                        <a:tabLst/>
-                        <a:defRPr/>
-                      </a:pPr>
-                      <a:r>
-                        <a:rPr lang="en-US" altLang="ko-KR" sz="1600" baseline="0" dirty="0" smtClean="0"/>
-                        <a:t> </a:t>
-                      </a:r>
-                      <a:r>
-                        <a:rPr lang="ko-KR" altLang="en-US" sz="1600" dirty="0" smtClean="0"/>
-                        <a:t>목록에서 삭제 버튼을 누르면 </a:t>
-                      </a:r>
-                      <a:r>
-                        <a:rPr lang="en-US" altLang="ko-KR" sz="1600" dirty="0" err="1" smtClean="0"/>
-                        <a:t>AddrBookDAO</a:t>
-                      </a:r>
-                      <a:r>
-                        <a:rPr lang="ko-KR" altLang="en-US" sz="1600" dirty="0" smtClean="0"/>
-                        <a:t>를 이용해 데이터 삭</a:t>
-                      </a:r>
-                      <a:endParaRPr lang="en-US" altLang="ko-KR" sz="1600" dirty="0" smtClean="0"/>
-                    </a:p>
-                    <a:p>
-                      <a:pPr marL="0" marR="0" lvl="0" indent="0" algn="l" defTabSz="914400" rtl="0" eaLnBrk="1" fontAlgn="auto" latinLnBrk="1" hangingPunct="1">
-                        <a:lnSpc>
-                          <a:spcPct val="100000"/>
-                        </a:lnSpc>
-                        <a:spcBef>
-                          <a:spcPts val="0"/>
-                        </a:spcBef>
-                        <a:spcAft>
-                          <a:spcPts val="0"/>
-                        </a:spcAft>
-                        <a:buClrTx/>
-                        <a:buSzTx/>
-                        <a:buFontTx/>
-                        <a:buNone/>
-                        <a:tabLst/>
-                        <a:defRPr/>
-                      </a:pPr>
-                      <a:r>
-                        <a:rPr lang="en-US" altLang="ko-KR" sz="1600" dirty="0" smtClean="0"/>
-                        <a:t> </a:t>
-                      </a:r>
-                      <a:r>
-                        <a:rPr lang="ko-KR" altLang="en-US" sz="1600" dirty="0" smtClean="0"/>
-                        <a:t>제 기능 수행</a:t>
-                      </a:r>
-                    </a:p>
-                  </a:txBody>
-                  <a:tcPr anchor="ctr">
-                    <a:lnR w="12700" cmpd="sng">
-                      <a:noFill/>
-                    </a:lnR>
-                  </a:tcPr>
-                </a:tc>
-              </a:tr>
-            </a:tbl>
-          </a:graphicData>
-        </a:graphic>
-      </p:graphicFrame>
-      <p:sp>
-        <p:nvSpPr>
-          <p:cNvPr id="8" name="TextBox 7"/>
-          <p:cNvSpPr txBox="1"/>
-          <p:nvPr/>
-        </p:nvSpPr>
-        <p:spPr>
-          <a:xfrm>
-            <a:off x="704528" y="1728091"/>
-            <a:ext cx="3096344" cy="369332"/>
-          </a:xfrm>
-          <a:prstGeom prst="rect">
-            <a:avLst/>
-          </a:prstGeom>
-          <a:noFill/>
-        </p:spPr>
-        <p:txBody>
-          <a:bodyPr wrap="square" rtlCol="0">
-            <a:spAutoFit/>
-          </a:bodyPr>
-          <a:lstStyle/>
-          <a:p>
-            <a:r>
-              <a:rPr lang="ko-KR" altLang="en-US" dirty="0" smtClean="0"/>
-              <a:t>프로그램 소스 목록</a:t>
-            </a:r>
-            <a:endParaRPr lang="ko-KR" altLang="en-US" dirty="0"/>
-          </a:p>
-        </p:txBody>
-      </p:sp>
-    </p:spTree>
-    <p:extLst>
-      <p:ext uri="{BB962C8B-B14F-4D97-AF65-F5344CB8AC3E}">
-        <p14:creationId xmlns:p14="http://schemas.microsoft.com/office/powerpoint/2010/main" val="3721754536"/>
-      </p:ext>
-    </p:extLst>
-  </p:cSld>
-  <p:clrMapOvr>
-    <a:masterClrMapping/>
-  </p:clrMapOvr>
-  <p:timing>
-    <p:tnLst>
-      <p:par>
-        <p:cTn id="1" dur="indefinite" restart="never" nodeType="tmRoot"/>
-      </p:par>
-    </p:tnLst>
-  </p:timing>
-</p:sld>
-</file>
-
-<file path=ppt/slides/slide15.xml><?xml version="1.0" encoding="utf-8"?>
-<p:sld xmlns:a="http://schemas.openxmlformats.org/drawingml/2006/main" xmlns:r="http://schemas.openxmlformats.org/officeDocument/2006/relationships" xmlns:p="http://schemas.openxmlformats.org/presentationml/2006/main">
-  <p:cSld>
-    <p:spTree>
-      <p:nvGrpSpPr>
-        <p:cNvPr id="1" name=""/>
-        <p:cNvGrpSpPr/>
-        <p:nvPr/>
-      </p:nvGrpSpPr>
-      <p:grpSpPr>
-        <a:xfrm>
-          <a:off x="0" y="0"/>
-          <a:ext cx="0" cy="0"/>
-          <a:chOff x="0" y="0"/>
-          <a:chExt cx="0" cy="0"/>
-        </a:xfrm>
-      </p:grpSpPr>
-      <p:sp>
-        <p:nvSpPr>
-          <p:cNvPr id="15" name="제목 5"/>
-          <p:cNvSpPr txBox="1">
-            <a:spLocks/>
-          </p:cNvSpPr>
-          <p:nvPr/>
-        </p:nvSpPr>
-        <p:spPr>
-          <a:xfrm>
-            <a:off x="0" y="-27384"/>
-            <a:ext cx="7995338" cy="854968"/>
-          </a:xfrm>
-          <a:prstGeom prst="rect">
-            <a:avLst/>
-          </a:prstGeom>
-        </p:spPr>
-        <p:txBody>
-          <a:bodyPr anchor="ctr" anchorCtr="0"/>
-          <a:lstStyle>
-            <a:lvl1pPr algn="l" defTabSz="914400" rtl="0" eaLnBrk="1" latinLnBrk="1" hangingPunct="1">
-              <a:spcBef>
-                <a:spcPct val="0"/>
-              </a:spcBef>
-              <a:buNone/>
-              <a:defRPr sz="3200" kern="1200">
-                <a:solidFill>
-                  <a:schemeClr val="bg1"/>
-                </a:solidFill>
-                <a:latin typeface="HY헤드라인M" panose="02030600000101010101" pitchFamily="18" charset="-127"/>
-                <a:ea typeface="HY헤드라인M" panose="02030600000101010101" pitchFamily="18" charset="-127"/>
-                <a:cs typeface="+mj-cs"/>
-              </a:defRPr>
-            </a:lvl1pPr>
-          </a:lstStyle>
-          <a:p>
-            <a:r>
-              <a:rPr lang="en-US" altLang="ko-KR" dirty="0" smtClean="0"/>
-              <a:t> </a:t>
-            </a:r>
-            <a:r>
-              <a:rPr lang="ko-KR" altLang="en-US" dirty="0"/>
-              <a:t> </a:t>
-            </a:r>
-            <a:r>
-              <a:rPr lang="ko-KR" altLang="en-US" b="1" dirty="0"/>
-              <a:t>주소록</a:t>
-            </a:r>
-            <a:r>
-              <a:rPr lang="en-US" altLang="ko-KR" b="1" dirty="0"/>
-              <a:t>(Address Book) </a:t>
-            </a:r>
-            <a:r>
-              <a:rPr lang="ko-KR" altLang="en-US" b="1" dirty="0" smtClean="0"/>
-              <a:t>프로젝트</a:t>
-            </a:r>
-            <a:endParaRPr lang="en-US" altLang="ko-KR" b="1" dirty="0"/>
-          </a:p>
-        </p:txBody>
-      </p:sp>
-      <p:pic>
-        <p:nvPicPr>
-          <p:cNvPr id="3" name="그림 2"/>
-          <p:cNvPicPr>
-            <a:picLocks noChangeAspect="1"/>
-          </p:cNvPicPr>
-          <p:nvPr/>
-        </p:nvPicPr>
-        <p:blipFill>
-          <a:blip r:embed="rId2">
-            <a:extLst>
-              <a:ext uri="{28A0092B-C50C-407E-A947-70E740481C1C}">
-                <a14:useLocalDpi xmlns:a14="http://schemas.microsoft.com/office/drawing/2010/main" val="0"/>
-              </a:ext>
-            </a:extLst>
-          </a:blip>
-          <a:stretch>
-            <a:fillRect/>
-          </a:stretch>
-        </p:blipFill>
-        <p:spPr>
-          <a:xfrm>
-            <a:off x="1352600" y="980728"/>
-            <a:ext cx="6880205" cy="5184576"/>
-          </a:xfrm>
-          <a:prstGeom prst="rect">
-            <a:avLst/>
-          </a:prstGeom>
-          <a:ln>
-            <a:solidFill>
-              <a:schemeClr val="bg1">
-                <a:lumMod val="85000"/>
-              </a:schemeClr>
-            </a:solidFill>
-          </a:ln>
-        </p:spPr>
-      </p:pic>
-      <p:sp>
-        <p:nvSpPr>
-          <p:cNvPr id="7" name="모서리가 둥근 직사각형 6">
-            <a:extLst>
-              <a:ext uri="{FF2B5EF4-FFF2-40B4-BE49-F238E27FC236}">
-                <a16:creationId xmlns:a16="http://schemas.microsoft.com/office/drawing/2014/main" xmlns="" id="{792DA8B4-17B2-454B-97AC-17311A4832C5}"/>
-              </a:ext>
-            </a:extLst>
-          </p:cNvPr>
-          <p:cNvSpPr/>
-          <p:nvPr/>
-        </p:nvSpPr>
-        <p:spPr>
-          <a:xfrm>
-            <a:off x="6879214" y="1368555"/>
-            <a:ext cx="2232248" cy="317650"/>
-          </a:xfrm>
-          <a:prstGeom prst="roundRect">
-            <a:avLst/>
-          </a:prstGeom>
-          <a:noFill/>
-          <a:ln w="12700">
-            <a:solidFill>
-              <a:schemeClr val="tx1"/>
-            </a:solidFill>
-          </a:ln>
-        </p:spPr>
-        <p:style>
-          <a:lnRef idx="2">
-            <a:schemeClr val="accent2"/>
-          </a:lnRef>
-          <a:fillRef idx="1">
-            <a:schemeClr val="lt1"/>
-          </a:fillRef>
-          <a:effectRef idx="0">
-            <a:schemeClr val="accent2"/>
-          </a:effectRef>
-          <a:fontRef idx="minor">
-            <a:schemeClr val="dk1"/>
-          </a:fontRef>
-        </p:style>
-        <p:txBody>
-          <a:bodyPr rtlCol="0" anchor="ctr"/>
-          <a:lstStyle/>
-          <a:p>
-            <a:pPr algn="ctr"/>
-            <a:r>
-              <a:rPr lang="en-US" altLang="ko-KR" sz="1600" dirty="0" smtClean="0">
-                <a:solidFill>
-                  <a:sysClr val="windowText" lastClr="000000"/>
-                </a:solidFill>
-              </a:rPr>
-              <a:t>AddrBookDAO.java</a:t>
-            </a:r>
-          </a:p>
-        </p:txBody>
-      </p:sp>
-    </p:spTree>
-    <p:extLst>
-      <p:ext uri="{BB962C8B-B14F-4D97-AF65-F5344CB8AC3E}">
-        <p14:creationId xmlns:p14="http://schemas.microsoft.com/office/powerpoint/2010/main" val="1351189184"/>
-      </p:ext>
-    </p:extLst>
-  </p:cSld>
-  <p:clrMapOvr>
-    <a:masterClrMapping/>
-  </p:clrMapOvr>
-  <p:timing>
-    <p:tnLst>
-      <p:par>
-        <p:cTn id="1" dur="indefinite" restart="never" nodeType="tmRoot"/>
-      </p:par>
-    </p:tnLst>
-  </p:timing>
-</p:sld>
-</file>
-
-<file path=ppt/slides/slide16.xml><?xml version="1.0" encoding="utf-8"?>
-<p:sld xmlns:a="http://schemas.openxmlformats.org/drawingml/2006/main" xmlns:r="http://schemas.openxmlformats.org/officeDocument/2006/relationships" xmlns:p="http://schemas.openxmlformats.org/presentationml/2006/main">
-  <p:cSld>
-    <p:spTree>
-      <p:nvGrpSpPr>
-        <p:cNvPr id="1" name=""/>
-        <p:cNvGrpSpPr/>
-        <p:nvPr/>
-      </p:nvGrpSpPr>
-      <p:grpSpPr>
-        <a:xfrm>
-          <a:off x="0" y="0"/>
-          <a:ext cx="0" cy="0"/>
-          <a:chOff x="0" y="0"/>
-          <a:chExt cx="0" cy="0"/>
-        </a:xfrm>
-      </p:grpSpPr>
-      <p:sp>
-        <p:nvSpPr>
-          <p:cNvPr id="15" name="제목 5"/>
-          <p:cNvSpPr txBox="1">
-            <a:spLocks/>
-          </p:cNvSpPr>
-          <p:nvPr/>
-        </p:nvSpPr>
-        <p:spPr>
-          <a:xfrm>
-            <a:off x="0" y="-27384"/>
-            <a:ext cx="7995338" cy="854968"/>
-          </a:xfrm>
-          <a:prstGeom prst="rect">
-            <a:avLst/>
-          </a:prstGeom>
-        </p:spPr>
-        <p:txBody>
-          <a:bodyPr anchor="ctr" anchorCtr="0"/>
-          <a:lstStyle>
-            <a:lvl1pPr algn="l" defTabSz="914400" rtl="0" eaLnBrk="1" latinLnBrk="1" hangingPunct="1">
-              <a:spcBef>
-                <a:spcPct val="0"/>
-              </a:spcBef>
-              <a:buNone/>
-              <a:defRPr sz="3200" kern="1200">
-                <a:solidFill>
-                  <a:schemeClr val="bg1"/>
-                </a:solidFill>
-                <a:latin typeface="HY헤드라인M" panose="02030600000101010101" pitchFamily="18" charset="-127"/>
-                <a:ea typeface="HY헤드라인M" panose="02030600000101010101" pitchFamily="18" charset="-127"/>
-                <a:cs typeface="+mj-cs"/>
-              </a:defRPr>
-            </a:lvl1pPr>
-          </a:lstStyle>
-          <a:p>
-            <a:r>
-              <a:rPr lang="en-US" altLang="ko-KR" dirty="0" smtClean="0"/>
-              <a:t> </a:t>
-            </a:r>
-            <a:r>
-              <a:rPr lang="ko-KR" altLang="en-US" dirty="0"/>
-              <a:t> </a:t>
-            </a:r>
-            <a:r>
-              <a:rPr lang="ko-KR" altLang="en-US" b="1" dirty="0"/>
-              <a:t>주소록</a:t>
-            </a:r>
-            <a:r>
-              <a:rPr lang="en-US" altLang="ko-KR" b="1" dirty="0"/>
-              <a:t>(Address Book) </a:t>
-            </a:r>
-            <a:r>
-              <a:rPr lang="ko-KR" altLang="en-US" b="1" dirty="0" smtClean="0"/>
-              <a:t>프로젝트</a:t>
-            </a:r>
-            <a:endParaRPr lang="en-US" altLang="ko-KR" b="1" dirty="0"/>
-          </a:p>
-        </p:txBody>
-      </p:sp>
-      <p:pic>
-        <p:nvPicPr>
-          <p:cNvPr id="3" name="그림 2"/>
-          <p:cNvPicPr>
-            <a:picLocks noChangeAspect="1"/>
-          </p:cNvPicPr>
-          <p:nvPr/>
-        </p:nvPicPr>
-        <p:blipFill>
-          <a:blip r:embed="rId2">
-            <a:extLst>
-              <a:ext uri="{28A0092B-C50C-407E-A947-70E740481C1C}">
-                <a14:useLocalDpi xmlns:a14="http://schemas.microsoft.com/office/drawing/2010/main" val="0"/>
-              </a:ext>
-            </a:extLst>
-          </a:blip>
-          <a:stretch>
-            <a:fillRect/>
-          </a:stretch>
-        </p:blipFill>
-        <p:spPr>
-          <a:xfrm>
-            <a:off x="1142668" y="874237"/>
-            <a:ext cx="7620661" cy="5555462"/>
-          </a:xfrm>
-          <a:prstGeom prst="rect">
-            <a:avLst/>
-          </a:prstGeom>
-          <a:ln>
-            <a:solidFill>
-              <a:schemeClr val="bg1">
-                <a:lumMod val="85000"/>
-              </a:schemeClr>
-            </a:solidFill>
-          </a:ln>
-        </p:spPr>
-      </p:pic>
-      <p:sp>
-        <p:nvSpPr>
-          <p:cNvPr id="6" name="모서리가 둥근 직사각형 5">
-            <a:extLst>
-              <a:ext uri="{FF2B5EF4-FFF2-40B4-BE49-F238E27FC236}">
-                <a16:creationId xmlns:a16="http://schemas.microsoft.com/office/drawing/2014/main" xmlns="" id="{792DA8B4-17B2-454B-97AC-17311A4832C5}"/>
-              </a:ext>
-            </a:extLst>
-          </p:cNvPr>
-          <p:cNvSpPr/>
-          <p:nvPr/>
-        </p:nvSpPr>
-        <p:spPr>
-          <a:xfrm>
-            <a:off x="7113240" y="1340768"/>
-            <a:ext cx="2016224" cy="317650"/>
-          </a:xfrm>
-          <a:prstGeom prst="roundRect">
-            <a:avLst/>
-          </a:prstGeom>
-          <a:noFill/>
-          <a:ln w="12700">
-            <a:solidFill>
-              <a:schemeClr val="tx1"/>
-            </a:solidFill>
-          </a:ln>
-        </p:spPr>
-        <p:style>
-          <a:lnRef idx="2">
-            <a:schemeClr val="accent2"/>
-          </a:lnRef>
-          <a:fillRef idx="1">
-            <a:schemeClr val="lt1"/>
-          </a:fillRef>
-          <a:effectRef idx="0">
-            <a:schemeClr val="accent2"/>
-          </a:effectRef>
-          <a:fontRef idx="minor">
-            <a:schemeClr val="dk1"/>
-          </a:fontRef>
-        </p:style>
-        <p:txBody>
-          <a:bodyPr rtlCol="0" anchor="ctr"/>
-          <a:lstStyle/>
-          <a:p>
-            <a:pPr algn="ctr"/>
-            <a:r>
-              <a:rPr lang="en-US" altLang="ko-KR" sz="1600" dirty="0" err="1" smtClean="0">
-                <a:solidFill>
-                  <a:sysClr val="windowText" lastClr="000000"/>
-                </a:solidFill>
-              </a:rPr>
-              <a:t>addrView.jsp</a:t>
-            </a:r>
-            <a:endParaRPr lang="en-US" altLang="ko-KR" sz="1600" dirty="0" smtClean="0">
-              <a:solidFill>
-                <a:sysClr val="windowText" lastClr="000000"/>
-              </a:solidFill>
-            </a:endParaRPr>
-          </a:p>
-        </p:txBody>
-      </p:sp>
-    </p:spTree>
-    <p:extLst>
-      <p:ext uri="{BB962C8B-B14F-4D97-AF65-F5344CB8AC3E}">
-        <p14:creationId xmlns:p14="http://schemas.microsoft.com/office/powerpoint/2010/main" val="3924091012"/>
-      </p:ext>
-    </p:extLst>
-  </p:cSld>
-  <p:clrMapOvr>
-    <a:masterClrMapping/>
-  </p:clrMapOvr>
-  <p:timing>
-    <p:tnLst>
-      <p:par>
-        <p:cTn id="1" dur="indefinite" restart="never" nodeType="tmRoot"/>
-      </p:par>
-    </p:tnLst>
-  </p:timing>
-</p:sld>
-</file>
-
-<file path=ppt/slides/slide17.xml><?xml version="1.0" encoding="utf-8"?>
-<p:sld xmlns:a="http://schemas.openxmlformats.org/drawingml/2006/main" xmlns:r="http://schemas.openxmlformats.org/officeDocument/2006/relationships" xmlns:p="http://schemas.openxmlformats.org/presentationml/2006/main">
-  <p:cSld>
-    <p:spTree>
-      <p:nvGrpSpPr>
-        <p:cNvPr id="1" name=""/>
-        <p:cNvGrpSpPr/>
-        <p:nvPr/>
-      </p:nvGrpSpPr>
-      <p:grpSpPr>
-        <a:xfrm>
-          <a:off x="0" y="0"/>
-          <a:ext cx="0" cy="0"/>
-          <a:chOff x="0" y="0"/>
-          <a:chExt cx="0" cy="0"/>
-        </a:xfrm>
-      </p:grpSpPr>
-      <p:sp>
-        <p:nvSpPr>
-          <p:cNvPr id="15" name="제목 5"/>
-          <p:cNvSpPr txBox="1">
-            <a:spLocks/>
-          </p:cNvSpPr>
-          <p:nvPr/>
-        </p:nvSpPr>
-        <p:spPr>
-          <a:xfrm>
-            <a:off x="0" y="-27384"/>
-            <a:ext cx="7995338" cy="854968"/>
-          </a:xfrm>
-          <a:prstGeom prst="rect">
-            <a:avLst/>
-          </a:prstGeom>
-        </p:spPr>
-        <p:txBody>
-          <a:bodyPr anchor="ctr" anchorCtr="0"/>
-          <a:lstStyle>
-            <a:lvl1pPr algn="l" defTabSz="914400" rtl="0" eaLnBrk="1" latinLnBrk="1" hangingPunct="1">
-              <a:spcBef>
-                <a:spcPct val="0"/>
-              </a:spcBef>
-              <a:buNone/>
-              <a:defRPr sz="3200" kern="1200">
-                <a:solidFill>
-                  <a:schemeClr val="bg1"/>
-                </a:solidFill>
-                <a:latin typeface="HY헤드라인M" panose="02030600000101010101" pitchFamily="18" charset="-127"/>
-                <a:ea typeface="HY헤드라인M" panose="02030600000101010101" pitchFamily="18" charset="-127"/>
-                <a:cs typeface="+mj-cs"/>
-              </a:defRPr>
-            </a:lvl1pPr>
-          </a:lstStyle>
-          <a:p>
-            <a:r>
-              <a:rPr lang="en-US" altLang="ko-KR" dirty="0" smtClean="0"/>
-              <a:t> </a:t>
-            </a:r>
-            <a:r>
-              <a:rPr lang="ko-KR" altLang="en-US" dirty="0"/>
-              <a:t> </a:t>
-            </a:r>
-            <a:r>
-              <a:rPr lang="ko-KR" altLang="en-US" b="1" dirty="0"/>
-              <a:t>주소록</a:t>
-            </a:r>
-            <a:r>
-              <a:rPr lang="en-US" altLang="ko-KR" b="1" dirty="0"/>
-              <a:t>(Address Book) </a:t>
-            </a:r>
-            <a:r>
-              <a:rPr lang="ko-KR" altLang="en-US" b="1" dirty="0" smtClean="0"/>
-              <a:t>프로젝트</a:t>
-            </a:r>
-            <a:endParaRPr lang="en-US" altLang="ko-KR" b="1" dirty="0"/>
-          </a:p>
-        </p:txBody>
-      </p:sp>
-      <p:sp>
-        <p:nvSpPr>
-          <p:cNvPr id="6" name="모서리가 둥근 직사각형 5">
-            <a:extLst>
-              <a:ext uri="{FF2B5EF4-FFF2-40B4-BE49-F238E27FC236}">
-                <a16:creationId xmlns:a16="http://schemas.microsoft.com/office/drawing/2014/main" xmlns="" id="{792DA8B4-17B2-454B-97AC-17311A4832C5}"/>
-              </a:ext>
-            </a:extLst>
-          </p:cNvPr>
-          <p:cNvSpPr/>
-          <p:nvPr/>
-        </p:nvSpPr>
-        <p:spPr>
-          <a:xfrm>
-            <a:off x="6995344" y="1556792"/>
-            <a:ext cx="2016224" cy="317650"/>
-          </a:xfrm>
-          <a:prstGeom prst="roundRect">
-            <a:avLst/>
-          </a:prstGeom>
-          <a:noFill/>
-          <a:ln w="12700">
-            <a:solidFill>
-              <a:schemeClr val="tx1"/>
-            </a:solidFill>
-          </a:ln>
-        </p:spPr>
-        <p:style>
-          <a:lnRef idx="2">
-            <a:schemeClr val="accent2"/>
-          </a:lnRef>
-          <a:fillRef idx="1">
-            <a:schemeClr val="lt1"/>
-          </a:fillRef>
-          <a:effectRef idx="0">
-            <a:schemeClr val="accent2"/>
-          </a:effectRef>
-          <a:fontRef idx="minor">
-            <a:schemeClr val="dk1"/>
-          </a:fontRef>
-        </p:style>
-        <p:txBody>
-          <a:bodyPr rtlCol="0" anchor="ctr"/>
-          <a:lstStyle/>
-          <a:p>
-            <a:pPr algn="ctr"/>
-            <a:r>
-              <a:rPr lang="en-US" altLang="ko-KR" sz="1600" dirty="0" err="1" smtClean="0">
-                <a:solidFill>
-                  <a:sysClr val="windowText" lastClr="000000"/>
-                </a:solidFill>
-              </a:rPr>
-              <a:t>addrDelete.jsp</a:t>
-            </a:r>
-            <a:endParaRPr lang="en-US" altLang="ko-KR" sz="1600" dirty="0" smtClean="0">
-              <a:solidFill>
-                <a:sysClr val="windowText" lastClr="000000"/>
-              </a:solidFill>
-            </a:endParaRPr>
-          </a:p>
-        </p:txBody>
-      </p:sp>
-      <p:pic>
-        <p:nvPicPr>
-          <p:cNvPr id="3" name="그림 2"/>
-          <p:cNvPicPr>
-            <a:picLocks noChangeAspect="1"/>
-          </p:cNvPicPr>
-          <p:nvPr/>
-        </p:nvPicPr>
-        <p:blipFill>
-          <a:blip r:embed="rId2">
-            <a:extLst>
-              <a:ext uri="{28A0092B-C50C-407E-A947-70E740481C1C}">
-                <a14:useLocalDpi xmlns:a14="http://schemas.microsoft.com/office/drawing/2010/main" val="0"/>
-              </a:ext>
-            </a:extLst>
-          </a:blip>
-          <a:stretch>
-            <a:fillRect/>
-          </a:stretch>
-        </p:blipFill>
-        <p:spPr>
-          <a:xfrm>
-            <a:off x="1047938" y="2060848"/>
-            <a:ext cx="7963630" cy="2952328"/>
-          </a:xfrm>
-          <a:prstGeom prst="rect">
-            <a:avLst/>
-          </a:prstGeom>
-          <a:ln>
-            <a:solidFill>
-              <a:schemeClr val="bg1">
-                <a:lumMod val="85000"/>
-              </a:schemeClr>
-            </a:solidFill>
-          </a:ln>
-        </p:spPr>
-      </p:pic>
-    </p:spTree>
-    <p:extLst>
-      <p:ext uri="{BB962C8B-B14F-4D97-AF65-F5344CB8AC3E}">
-        <p14:creationId xmlns:p14="http://schemas.microsoft.com/office/powerpoint/2010/main" val="772789463"/>
       </p:ext>
     </p:extLst>
   </p:cSld>
@@ -6100,8 +4602,20 @@
                 <a:tableStyleId>{5940675A-B579-460E-94D1-54222C63F5DA}</a:tableStyleId>
               </a:tblPr>
               <a:tblGrid>
-                <a:gridCol w="2528835"/>
-                <a:gridCol w="5968109"/>
+                <a:gridCol w="2528835">
+                  <a:extLst>
+                    <a:ext uri="{9D8B030D-6E8A-4147-A177-3AD203B41FA5}">
+                      <a16:colId xmlns:a16="http://schemas.microsoft.com/office/drawing/2014/main" val="20000"/>
+                    </a:ext>
+                  </a:extLst>
+                </a:gridCol>
+                <a:gridCol w="5968109">
+                  <a:extLst>
+                    <a:ext uri="{9D8B030D-6E8A-4147-A177-3AD203B41FA5}">
+                      <a16:colId xmlns:a16="http://schemas.microsoft.com/office/drawing/2014/main" val="20001"/>
+                    </a:ext>
+                  </a:extLst>
+                </a:gridCol>
               </a:tblGrid>
               <a:tr h="362223">
                 <a:tc>
@@ -6152,6 +4666,11 @@
                     </a:solidFill>
                   </a:tcPr>
                 </a:tc>
+                <a:extLst>
+                  <a:ext uri="{0D108BD9-81ED-4DB2-BD59-A6C34878D82A}">
+                    <a16:rowId xmlns:a16="http://schemas.microsoft.com/office/drawing/2014/main" val="10000"/>
+                  </a:ext>
+                </a:extLst>
               </a:tr>
               <a:tr h="395152">
                 <a:tc>
@@ -6211,6 +4730,11 @@
                     </a:lnR>
                   </a:tcPr>
                 </a:tc>
+                <a:extLst>
+                  <a:ext uri="{0D108BD9-81ED-4DB2-BD59-A6C34878D82A}">
+                    <a16:rowId xmlns:a16="http://schemas.microsoft.com/office/drawing/2014/main" val="10001"/>
+                  </a:ext>
+                </a:extLst>
               </a:tr>
               <a:tr h="395152">
                 <a:tc>
@@ -6278,6 +4802,11 @@
                     </a:lnR>
                   </a:tcPr>
                 </a:tc>
+                <a:extLst>
+                  <a:ext uri="{0D108BD9-81ED-4DB2-BD59-A6C34878D82A}">
+                    <a16:rowId xmlns:a16="http://schemas.microsoft.com/office/drawing/2014/main" val="10002"/>
+                  </a:ext>
+                </a:extLst>
               </a:tr>
               <a:tr h="625658">
                 <a:tc>
@@ -6365,6 +4894,11 @@
                     </a:lnR>
                   </a:tcPr>
                 </a:tc>
+                <a:extLst>
+                  <a:ext uri="{0D108BD9-81ED-4DB2-BD59-A6C34878D82A}">
+                    <a16:rowId xmlns:a16="http://schemas.microsoft.com/office/drawing/2014/main" val="10003"/>
+                  </a:ext>
+                </a:extLst>
               </a:tr>
               <a:tr h="625658">
                 <a:tc>
@@ -6445,6 +4979,11 @@
                     </a:lnR>
                   </a:tcPr>
                 </a:tc>
+                <a:extLst>
+                  <a:ext uri="{0D108BD9-81ED-4DB2-BD59-A6C34878D82A}">
+                    <a16:rowId xmlns:a16="http://schemas.microsoft.com/office/drawing/2014/main" val="10004"/>
+                  </a:ext>
+                </a:extLst>
               </a:tr>
               <a:tr h="395152">
                 <a:tc>
@@ -6515,6 +5054,11 @@
                     </a:lnR>
                   </a:tcPr>
                 </a:tc>
+                <a:extLst>
+                  <a:ext uri="{0D108BD9-81ED-4DB2-BD59-A6C34878D82A}">
+                    <a16:rowId xmlns:a16="http://schemas.microsoft.com/office/drawing/2014/main" val="10005"/>
+                  </a:ext>
+                </a:extLst>
               </a:tr>
               <a:tr h="395152">
                 <a:tc>
@@ -6586,6 +5130,11 @@
                     </a:lnR>
                   </a:tcPr>
                 </a:tc>
+                <a:extLst>
+                  <a:ext uri="{0D108BD9-81ED-4DB2-BD59-A6C34878D82A}">
+                    <a16:rowId xmlns:a16="http://schemas.microsoft.com/office/drawing/2014/main" val="10006"/>
+                  </a:ext>
+                </a:extLst>
               </a:tr>
             </a:tbl>
           </a:graphicData>
@@ -6629,8 +5178,8 @@
         </p:nvSpPr>
         <p:spPr>
           <a:xfrm>
-            <a:off x="1136576" y="5087506"/>
-            <a:ext cx="7056784" cy="861774"/>
+            <a:off x="1136576" y="5013176"/>
+            <a:ext cx="7056784" cy="1198854"/>
           </a:xfrm>
           <a:prstGeom prst="rect">
             <a:avLst/>
@@ -6643,6 +5192,11 @@
           </a:bodyPr>
           <a:lstStyle/>
           <a:p>
+            <a:pPr>
+              <a:lnSpc>
+                <a:spcPct val="150000"/>
+              </a:lnSpc>
+            </a:pPr>
             <a:r>
               <a:rPr lang="en-US" altLang="ko-KR" b="1" dirty="0" smtClean="0"/>
               <a:t>application</a:t>
@@ -6662,6 +5216,9 @@
           </a:p>
           <a:p>
             <a:pPr marL="285750" indent="-285750">
+              <a:lnSpc>
+                <a:spcPct val="150000"/>
+              </a:lnSpc>
               <a:buFontTx/>
               <a:buChar char="-"/>
             </a:pPr>
@@ -6692,6 +5249,9 @@
           </a:p>
           <a:p>
             <a:pPr marL="285750" indent="-285750">
+              <a:lnSpc>
+                <a:spcPct val="150000"/>
+              </a:lnSpc>
               <a:buFontTx/>
               <a:buChar char="-"/>
             </a:pPr>
@@ -6780,6 +5340,11 @@
             </a:lvl1pPr>
           </a:lstStyle>
           <a:p>
+            <a:pPr>
+              <a:lnSpc>
+                <a:spcPct val="150000"/>
+              </a:lnSpc>
+            </a:pPr>
             <a:r>
               <a:rPr lang="en-US" altLang="ko-KR" dirty="0" smtClean="0"/>
               <a:t> </a:t>
@@ -6797,7 +5362,7 @@
               <a:t>(Address Book) </a:t>
             </a:r>
             <a:r>
-              <a:rPr lang="ko-KR" altLang="en-US" b="1" dirty="0" smtClean="0"/>
+              <a:rPr lang="ko-KR" altLang="en-US" b="1" dirty="0"/>
               <a:t>프로젝트</a:t>
             </a:r>
             <a:endParaRPr lang="en-US" altLang="ko-KR" b="1" dirty="0"/>
@@ -6806,14 +5371,14 @@
       </p:sp>
       <p:sp>
         <p:nvSpPr>
-          <p:cNvPr id="8" name="TextBox 7"/>
+          <p:cNvPr id="11" name="TextBox 10"/>
           <p:cNvSpPr txBox="1"/>
           <p:nvPr/>
         </p:nvSpPr>
         <p:spPr>
           <a:xfrm>
-            <a:off x="704528" y="1124744"/>
-            <a:ext cx="3096344" cy="369332"/>
+            <a:off x="721037" y="980728"/>
+            <a:ext cx="8712968" cy="494494"/>
           </a:xfrm>
           <a:prstGeom prst="rect">
             <a:avLst/>
@@ -6826,197 +5391,30 @@
           </a:bodyPr>
           <a:lstStyle/>
           <a:p>
-            <a:r>
-              <a:rPr lang="ko-KR" altLang="en-US" dirty="0" smtClean="0"/>
-              <a:t>세션 발급 및 처리</a:t>
-            </a:r>
-            <a:endParaRPr lang="ko-KR" altLang="en-US" dirty="0"/>
-          </a:p>
-        </p:txBody>
-      </p:sp>
-      <p:sp>
-        <p:nvSpPr>
-          <p:cNvPr id="9" name="TextBox 8"/>
-          <p:cNvSpPr txBox="1"/>
-          <p:nvPr/>
-        </p:nvSpPr>
-        <p:spPr>
-          <a:xfrm>
-            <a:off x="1064568" y="1597442"/>
-            <a:ext cx="4968552" cy="923330"/>
-          </a:xfrm>
-          <a:prstGeom prst="rect">
-            <a:avLst/>
-          </a:prstGeom>
-          <a:noFill/>
-        </p:spPr>
-        <p:txBody>
-          <a:bodyPr wrap="square" rtlCol="0">
-            <a:spAutoFit/>
-          </a:bodyPr>
-          <a:lstStyle/>
-          <a:p>
-            <a:r>
-              <a:rPr lang="ko-KR" altLang="en-US" b="1" dirty="0" smtClean="0">
-                <a:solidFill>
-                  <a:srgbClr val="C00000"/>
-                </a:solidFill>
-              </a:rPr>
-              <a:t>세션이 없는 경우 </a:t>
-            </a:r>
-            <a:r>
-              <a:rPr lang="en-US" altLang="ko-KR" b="1" dirty="0" smtClean="0">
-                <a:solidFill>
-                  <a:srgbClr val="C00000"/>
-                </a:solidFill>
-              </a:rPr>
-              <a:t>: </a:t>
-            </a:r>
-            <a:r>
-              <a:rPr lang="ko-KR" altLang="en-US" b="1" dirty="0" smtClean="0">
-                <a:solidFill>
-                  <a:srgbClr val="C00000"/>
-                </a:solidFill>
-              </a:rPr>
-              <a:t>에러 발생</a:t>
-            </a:r>
-            <a:endParaRPr lang="en-US" altLang="ko-KR" b="1" dirty="0" smtClean="0">
-              <a:solidFill>
-                <a:srgbClr val="C00000"/>
-              </a:solidFill>
-            </a:endParaRPr>
-          </a:p>
-          <a:p>
-            <a:r>
-              <a:rPr lang="en-US" altLang="ko-KR" dirty="0" err="1" smtClean="0">
-                <a:solidFill>
-                  <a:srgbClr val="C00000"/>
-                </a:solidFill>
-              </a:rPr>
-              <a:t>addrAdd.j</a:t>
-            </a:r>
-            <a:r>
-              <a:rPr lang="en-US" altLang="ko-KR" dirty="0" err="1" smtClean="0">
-                <a:solidFill>
-                  <a:srgbClr val="C00000"/>
-                </a:solidFill>
-              </a:rPr>
-              <a:t>sp</a:t>
-            </a:r>
-            <a:r>
-              <a:rPr lang="en-US" altLang="ko-KR" dirty="0" smtClean="0">
-                <a:solidFill>
-                  <a:srgbClr val="C00000"/>
-                </a:solidFill>
-              </a:rPr>
-              <a:t> </a:t>
-            </a:r>
-            <a:r>
-              <a:rPr lang="ko-KR" altLang="en-US" dirty="0" smtClean="0">
-                <a:solidFill>
-                  <a:srgbClr val="C00000"/>
-                </a:solidFill>
-              </a:rPr>
-              <a:t>요청 </a:t>
-            </a:r>
-            <a:r>
-              <a:rPr lang="en-US" altLang="ko-KR" dirty="0" smtClean="0">
-                <a:solidFill>
-                  <a:srgbClr val="C00000"/>
-                </a:solidFill>
-              </a:rPr>
-              <a:t>: null</a:t>
-            </a:r>
-            <a:r>
-              <a:rPr lang="ko-KR" altLang="en-US" dirty="0" smtClean="0">
-                <a:solidFill>
-                  <a:srgbClr val="C00000"/>
-                </a:solidFill>
-              </a:rPr>
-              <a:t>이</a:t>
-            </a:r>
-            <a:r>
-              <a:rPr lang="en-US" altLang="ko-KR" dirty="0" smtClean="0">
-                <a:solidFill>
-                  <a:srgbClr val="C00000"/>
-                </a:solidFill>
-              </a:rPr>
-              <a:t> </a:t>
-            </a:r>
-            <a:r>
-              <a:rPr lang="ko-KR" altLang="en-US" dirty="0" smtClean="0">
-                <a:solidFill>
-                  <a:srgbClr val="C00000"/>
-                </a:solidFill>
-              </a:rPr>
-              <a:t>추가</a:t>
-            </a:r>
-            <a:r>
-              <a:rPr lang="ko-KR" altLang="en-US" dirty="0">
-                <a:solidFill>
-                  <a:srgbClr val="C00000"/>
-                </a:solidFill>
-              </a:rPr>
-              <a:t>됨</a:t>
-            </a:r>
-            <a:endParaRPr lang="en-US" altLang="ko-KR" dirty="0" smtClean="0">
-              <a:solidFill>
-                <a:srgbClr val="C00000"/>
-              </a:solidFill>
-            </a:endParaRPr>
-          </a:p>
-          <a:p>
-            <a:r>
-              <a:rPr lang="en-US" altLang="ko-KR" dirty="0" err="1" smtClean="0">
-                <a:solidFill>
-                  <a:srgbClr val="C00000"/>
-                </a:solidFill>
-              </a:rPr>
-              <a:t>addrView.jsp</a:t>
-            </a:r>
-            <a:r>
-              <a:rPr lang="en-US" altLang="ko-KR" dirty="0" smtClean="0">
-                <a:solidFill>
-                  <a:srgbClr val="C00000"/>
-                </a:solidFill>
-              </a:rPr>
-              <a:t> </a:t>
-            </a:r>
-            <a:r>
-              <a:rPr lang="ko-KR" altLang="en-US" dirty="0" smtClean="0">
-                <a:solidFill>
-                  <a:srgbClr val="C00000"/>
-                </a:solidFill>
-              </a:rPr>
-              <a:t>요청 </a:t>
-            </a:r>
-            <a:r>
-              <a:rPr lang="en-US" altLang="ko-KR" dirty="0" smtClean="0">
-                <a:solidFill>
-                  <a:srgbClr val="C00000"/>
-                </a:solidFill>
-              </a:rPr>
-              <a:t>: 500 </a:t>
-            </a:r>
-            <a:r>
-              <a:rPr lang="ko-KR" altLang="en-US" dirty="0" smtClean="0">
-                <a:solidFill>
-                  <a:srgbClr val="C00000"/>
-                </a:solidFill>
-              </a:rPr>
-              <a:t>오류 발생</a:t>
-            </a:r>
-            <a:endParaRPr lang="ko-KR" altLang="en-US" dirty="0">
-              <a:solidFill>
-                <a:srgbClr val="C00000"/>
-              </a:solidFill>
-            </a:endParaRPr>
+            <a:pPr>
+              <a:lnSpc>
+                <a:spcPct val="150000"/>
+              </a:lnSpc>
+            </a:pPr>
+            <a:r>
+              <a:rPr lang="ko-KR" altLang="en-US" sz="2000" b="1" dirty="0" smtClean="0"/>
+              <a:t>주소록</a:t>
+            </a:r>
+            <a:r>
+              <a:rPr lang="en-US" altLang="ko-KR" sz="2000" b="1" dirty="0" smtClean="0"/>
+              <a:t>(Address Book) </a:t>
+            </a:r>
+            <a:r>
+              <a:rPr lang="ko-KR" altLang="en-US" sz="2000" b="1" dirty="0" smtClean="0"/>
+              <a:t>구현</a:t>
+            </a:r>
+            <a:endParaRPr lang="en-US" altLang="ko-KR" sz="2000" b="1" dirty="0" smtClean="0"/>
           </a:p>
         </p:txBody>
       </p:sp>
       <p:pic>
         <p:nvPicPr>
-          <p:cNvPr id="4" name="그림 3"/>
+          <p:cNvPr id="5" name="그림 4"/>
           <p:cNvPicPr>
             <a:picLocks noChangeAspect="1"/>
           </p:cNvPicPr>
@@ -7036,25 +5434,78 @@
         </p:blipFill>
         <p:spPr>
           <a:xfrm>
-            <a:off x="1568624" y="2780928"/>
-            <a:ext cx="6554314" cy="2520280"/>
+            <a:off x="1136576" y="1553812"/>
+            <a:ext cx="3600400" cy="2343311"/>
           </a:xfrm>
           <a:prstGeom prst="rect">
             <a:avLst/>
           </a:prstGeom>
-          <a:ln>
-            <a:solidFill>
-              <a:schemeClr val="bg1">
-                <a:lumMod val="85000"/>
-              </a:schemeClr>
-            </a:solidFill>
-          </a:ln>
+        </p:spPr>
+      </p:pic>
+      <p:pic>
+        <p:nvPicPr>
+          <p:cNvPr id="6" name="그림 5"/>
+          <p:cNvPicPr>
+            <a:picLocks noChangeAspect="1"/>
+          </p:cNvPicPr>
+          <p:nvPr/>
+        </p:nvPicPr>
+        <p:blipFill>
+          <a:blip r:embed="rId3">
+            <a:extLst>
+              <a:ext uri="{28A0092B-C50C-407E-A947-70E740481C1C}">
+                <a14:useLocalDpi xmlns:a14="http://schemas.microsoft.com/office/drawing/2010/main" val="0"/>
+              </a:ext>
+            </a:extLst>
+          </a:blip>
+          <a:stretch>
+            <a:fillRect/>
+          </a:stretch>
+        </p:blipFill>
+        <p:spPr>
+          <a:xfrm>
+            <a:off x="5889104" y="1752786"/>
+            <a:ext cx="2239596" cy="2065747"/>
+          </a:xfrm>
+          <a:prstGeom prst="rect">
+            <a:avLst/>
+          </a:prstGeom>
+        </p:spPr>
+      </p:pic>
+      <p:pic>
+        <p:nvPicPr>
+          <p:cNvPr id="7" name="그림 6"/>
+          <p:cNvPicPr>
+            <a:picLocks noChangeAspect="1"/>
+          </p:cNvPicPr>
+          <p:nvPr/>
+        </p:nvPicPr>
+        <p:blipFill>
+          <a:blip r:embed="rId4">
+            <a:extLst>
+              <a:ext uri="{28A0092B-C50C-407E-A947-70E740481C1C}">
+                <a14:useLocalDpi xmlns:a14="http://schemas.microsoft.com/office/drawing/2010/main" val="0"/>
+              </a:ext>
+            </a:extLst>
+          </a:blip>
+          <a:stretch>
+            <a:fillRect/>
+          </a:stretch>
+        </p:blipFill>
+        <p:spPr>
+          <a:xfrm>
+            <a:off x="2936776" y="3979567"/>
+            <a:ext cx="3918790" cy="2048458"/>
+          </a:xfrm>
+          <a:prstGeom prst="rect">
+            <a:avLst/>
+          </a:prstGeom>
         </p:spPr>
       </p:pic>
     </p:spTree>
     <p:extLst>
       <p:ext uri="{BB962C8B-B14F-4D97-AF65-F5344CB8AC3E}">
-        <p14:creationId xmlns:p14="http://schemas.microsoft.com/office/powerpoint/2010/main" val="3922525484"/>
+        <p14:creationId xmlns:p14="http://schemas.microsoft.com/office/powerpoint/2010/main" val="3274071249"/>
       </p:ext>
     </p:extLst>
   </p:cSld>
@@ -7198,7 +5649,7 @@
       </p:sp>
       <p:pic>
         <p:nvPicPr>
-          <p:cNvPr id="5" name="그림 4"/>
+          <p:cNvPr id="2" name="그림 1"/>
           <p:cNvPicPr>
             <a:picLocks noChangeAspect="1"/>
           </p:cNvPicPr>
@@ -7218,17 +5669,24 @@
         </p:blipFill>
         <p:spPr>
           <a:xfrm>
-            <a:off x="920552" y="1532513"/>
-            <a:ext cx="3600400" cy="2343311"/>
+            <a:off x="1712640" y="2060848"/>
+            <a:ext cx="3446096" cy="1368152"/>
           </a:xfrm>
           <a:prstGeom prst="rect">
             <a:avLst/>
           </a:prstGeom>
+          <a:ln>
+            <a:solidFill>
+              <a:schemeClr val="bg1">
+                <a:lumMod val="85000"/>
+              </a:schemeClr>
+            </a:solidFill>
+          </a:ln>
         </p:spPr>
       </p:pic>
       <p:pic>
         <p:nvPicPr>
-          <p:cNvPr id="6" name="그림 5"/>
+          <p:cNvPr id="3" name="그림 2"/>
           <p:cNvPicPr>
             <a:picLocks noChangeAspect="1"/>
           </p:cNvPicPr>
@@ -7248,48 +5706,25 @@
         </p:blipFill>
         <p:spPr>
           <a:xfrm>
-            <a:off x="5529064" y="1547929"/>
-            <a:ext cx="2664295" cy="2457479"/>
+            <a:off x="3872880" y="3717032"/>
+            <a:ext cx="2888863" cy="1296144"/>
           </a:xfrm>
           <a:prstGeom prst="rect">
             <a:avLst/>
           </a:prstGeom>
-        </p:spPr>
-      </p:pic>
-      <p:pic>
-        <p:nvPicPr>
-          <p:cNvPr id="7" name="그림 6"/>
-          <p:cNvPicPr>
-            <a:picLocks noChangeAspect="1"/>
-          </p:cNvPicPr>
-          <p:nvPr/>
-        </p:nvPicPr>
-        <p:blipFill>
-          <a:blip r:embed="rId4">
-            <a:extLst>
-              <a:ext uri="{28A0092B-C50C-407E-A947-70E740481C1C}">
-                <a14:useLocalDpi xmlns:a14="http://schemas.microsoft.com/office/drawing/2010/main" val="0"/>
-              </a:ext>
-            </a:extLst>
-          </a:blip>
-          <a:stretch>
-            <a:fillRect/>
-          </a:stretch>
-        </p:blipFill>
-        <p:spPr>
-          <a:xfrm>
-            <a:off x="2720752" y="3992224"/>
-            <a:ext cx="3918790" cy="2048458"/>
-          </a:xfrm>
-          <a:prstGeom prst="rect">
-            <a:avLst/>
-          </a:prstGeom>
+          <a:ln>
+            <a:solidFill>
+              <a:schemeClr val="bg1">
+                <a:lumMod val="85000"/>
+              </a:schemeClr>
+            </a:solidFill>
+          </a:ln>
         </p:spPr>
       </p:pic>
     </p:spTree>
     <p:extLst>
       <p:ext uri="{BB962C8B-B14F-4D97-AF65-F5344CB8AC3E}">
-        <p14:creationId xmlns:p14="http://schemas.microsoft.com/office/powerpoint/2010/main" val="3274071249"/>
+        <p14:creationId xmlns:p14="http://schemas.microsoft.com/office/powerpoint/2010/main" val="4220970555"/>
       </p:ext>
     </p:extLst>
   </p:cSld>
@@ -7383,52 +5818,9 @@
           </a:p>
         </p:txBody>
       </p:sp>
-      <p:sp>
-        <p:nvSpPr>
-          <p:cNvPr id="11" name="TextBox 10"/>
-          <p:cNvSpPr txBox="1"/>
-          <p:nvPr/>
-        </p:nvSpPr>
-        <p:spPr>
-          <a:xfrm>
-            <a:off x="721037" y="980728"/>
-            <a:ext cx="8712968" cy="494494"/>
-          </a:xfrm>
-          <a:prstGeom prst="rect">
-            <a:avLst/>
-          </a:prstGeom>
-          <a:noFill/>
-        </p:spPr>
-        <p:txBody>
-          <a:bodyPr wrap="square" rtlCol="0">
-            <a:spAutoFit/>
-          </a:bodyPr>
-          <a:lstStyle/>
-          <a:p>
-            <a:pPr>
-              <a:lnSpc>
-                <a:spcPct val="150000"/>
-              </a:lnSpc>
-            </a:pPr>
-            <a:r>
-              <a:rPr lang="ko-KR" altLang="en-US" sz="2000" b="1" dirty="0" smtClean="0"/>
-              <a:t>주소록</a:t>
-            </a:r>
-            <a:r>
-              <a:rPr lang="en-US" altLang="ko-KR" sz="2000" b="1" dirty="0" smtClean="0"/>
-              <a:t>(Address Book) </a:t>
-            </a:r>
-            <a:r>
-              <a:rPr lang="ko-KR" altLang="en-US" sz="2000" b="1" dirty="0" smtClean="0"/>
-              <a:t>구현</a:t>
-            </a:r>
-            <a:endParaRPr lang="en-US" altLang="ko-KR" sz="2000" b="1" dirty="0" smtClean="0"/>
-          </a:p>
-        </p:txBody>
-      </p:sp>
       <p:pic>
         <p:nvPicPr>
-          <p:cNvPr id="2" name="그림 1"/>
+          <p:cNvPr id="3" name="그림 2"/>
           <p:cNvPicPr>
             <a:picLocks noChangeAspect="1"/>
           </p:cNvPicPr>
@@ -7448,8 +5840,8 @@
         </p:blipFill>
         <p:spPr>
           <a:xfrm>
-            <a:off x="493693" y="1628394"/>
-            <a:ext cx="9167655" cy="4214225"/>
+            <a:off x="5961112" y="1771393"/>
+            <a:ext cx="3566391" cy="3856383"/>
           </a:xfrm>
           <a:prstGeom prst="rect">
             <a:avLst/>
@@ -7465,10 +5857,10 @@
       </p:pic>
       <p:sp>
         <p:nvSpPr>
-          <p:cNvPr id="6" name="모서리가 둥근 직사각형 5">
+          <p:cNvPr id="8" name="모서리가 둥근 직사각형 7">
             <a:extLst>
               <a:ext uri="{FF2B5EF4-FFF2-40B4-BE49-F238E27FC236}">
-                <a16:creationId xmlns:a16="http://schemas.microsoft.com/office/drawing/2014/main" xmlns="" id="{792DA8B4-17B2-454B-97AC-17311A4832C5}"/>
+                <a16:creationId xmlns:a16="http://schemas.microsoft.com/office/drawing/2014/main" id="{792DA8B4-17B2-454B-97AC-17311A4832C5}"/>
               </a:ext>
             </a:extLst>
           </p:cNvPr>
@@ -7477,7 +5869,7 @@
         </p:nvSpPr>
         <p:spPr>
           <a:xfrm>
-            <a:off x="6897216" y="2162474"/>
+            <a:off x="536036" y="1771393"/>
             <a:ext cx="1944216" cy="317650"/>
           </a:xfrm>
           <a:prstGeom prst="roundRect">
@@ -7510,25 +5902,57 @@
           <a:p>
             <a:pPr algn="ctr"/>
             <a:r>
-              <a:rPr lang="en-US" altLang="ko-KR" sz="1600" dirty="0" err="1" smtClean="0">
+              <a:rPr lang="en-US" altLang="ko-KR" sz="1600" dirty="0" smtClean="0">
                 <a:solidFill>
                   <a:sysClr val="windowText" lastClr="000000"/>
                 </a:solidFill>
               </a:rPr>
-              <a:t>addrForm.jsp</a:t>
-            </a:r>
-            <a:endParaRPr lang="en-US" altLang="ko-KR" sz="1600" dirty="0" smtClean="0">
-              <a:solidFill>
-                <a:sysClr val="windowText" lastClr="000000"/>
-              </a:solidFill>
-            </a:endParaRPr>
-          </a:p>
-        </p:txBody>
-      </p:sp>
+              <a:t>AddrBook.java</a:t>
+            </a:r>
+          </a:p>
+        </p:txBody>
+      </p:sp>
+      <p:pic>
+        <p:nvPicPr>
+          <p:cNvPr id="4" name="그림 3"/>
+          <p:cNvPicPr>
+            <a:picLocks noChangeAspect="1"/>
+          </p:cNvPicPr>
+          <p:nvPr/>
+        </p:nvPicPr>
+        <p:blipFill>
+          <a:blip r:embed="rId3">
+            <a:extLst>
+              <a:ext uri="{28A0092B-C50C-407E-A947-70E740481C1C}">
+                <a14:useLocalDpi xmlns:a14="http://schemas.microsoft.com/office/drawing/2010/main" val="0"/>
+              </a:ext>
+            </a:extLst>
+          </a:blip>
+          <a:stretch>
+            <a:fillRect/>
+          </a:stretch>
+        </p:blipFill>
+        <p:spPr>
+          <a:xfrm>
+            <a:off x="488504" y="2276872"/>
+            <a:ext cx="5328592" cy="2599471"/>
+          </a:xfrm>
+          <a:prstGeom prst="rect">
+            <a:avLst/>
+          </a:prstGeom>
+          <a:ln>
+            <a:solidFill>
+              <a:schemeClr val="bg1">
+                <a:lumMod val="85000"/>
+              </a:schemeClr>
+            </a:solidFill>
+          </a:ln>
+        </p:spPr>
+      </p:pic>
     </p:spTree>
     <p:extLst>
       <p:ext uri="{BB962C8B-B14F-4D97-AF65-F5344CB8AC3E}">
-        <p14:creationId xmlns:p14="http://schemas.microsoft.com/office/powerpoint/2010/main" val="666061831"/>
+        <p14:creationId xmlns:p14="http://schemas.microsoft.com/office/powerpoint/2010/main" val="1124016552"/>
       </p:ext>
     </p:extLst>
   </p:cSld>
@@ -7624,13 +6048,13 @@
       </p:sp>
       <p:pic>
         <p:nvPicPr>
-          <p:cNvPr id="3" name="그림 2"/>
+          <p:cNvPr id="4" name="그림 3"/>
           <p:cNvPicPr>
             <a:picLocks noChangeAspect="1"/>
           </p:cNvPicPr>
           <p:nvPr/>
         </p:nvPicPr>
-        <p:blipFill>
+        <p:blipFill rotWithShape="1">
           <a:blip r:embed="rId2">
             <a:extLst>
               <a:ext uri="{28A0092B-C50C-407E-A947-70E740481C1C}">
@@ -7638,14 +6062,13 @@
               </a:ext>
             </a:extLst>
           </a:blip>
-          <a:stretch>
-            <a:fillRect/>
-          </a:stretch>
+          <a:srcRect t="7766"/>
+          <a:stretch/>
         </p:blipFill>
         <p:spPr>
           <a:xfrm>
-            <a:off x="891884" y="980727"/>
-            <a:ext cx="8314141" cy="5296359"/>
+            <a:off x="1067678" y="1844824"/>
+            <a:ext cx="6480043" cy="3420803"/>
           </a:xfrm>
           <a:prstGeom prst="rect">
             <a:avLst/>
@@ -7661,10 +6084,10 @@
       </p:pic>
       <p:sp>
         <p:nvSpPr>
-          <p:cNvPr id="6" name="모서리가 둥근 직사각형 5">
+          <p:cNvPr id="7" name="모서리가 둥근 직사각형 6">
             <a:extLst>
               <a:ext uri="{FF2B5EF4-FFF2-40B4-BE49-F238E27FC236}">
-                <a16:creationId xmlns:a16="http://schemas.microsoft.com/office/drawing/2014/main" xmlns="" id="{792DA8B4-17B2-454B-97AC-17311A4832C5}"/>
+                <a16:creationId xmlns:a16="http://schemas.microsoft.com/office/drawing/2014/main" id="{792DA8B4-17B2-454B-97AC-17311A4832C5}"/>
               </a:ext>
             </a:extLst>
           </p:cNvPr>
@@ -7673,8 +6096,8 @@
         </p:nvSpPr>
         <p:spPr>
           <a:xfrm>
-            <a:off x="7689304" y="1603034"/>
-            <a:ext cx="1944216" cy="317650"/>
+            <a:off x="1067678" y="1239142"/>
+            <a:ext cx="2232248" cy="317650"/>
           </a:xfrm>
           <a:prstGeom prst="roundRect">
             <a:avLst/>
@@ -7711,7 +6134,7 @@
                   <a:sysClr val="windowText" lastClr="000000"/>
                 </a:solidFill>
               </a:rPr>
-              <a:t>addrForm.html</a:t>
+              <a:t>AddrBookDAO.java</a:t>
             </a:r>
           </a:p>
         </p:txBody>
@@ -7719,7 +6142,7 @@
     </p:spTree>
     <p:extLst>
       <p:ext uri="{BB962C8B-B14F-4D97-AF65-F5344CB8AC3E}">
-        <p14:creationId xmlns:p14="http://schemas.microsoft.com/office/powerpoint/2010/main" val="3950953149"/>
+        <p14:creationId xmlns:p14="http://schemas.microsoft.com/office/powerpoint/2010/main" val="2732766890"/>
       </p:ext>
     </p:extLst>
   </p:cSld>
@@ -7813,6 +6236,49 @@
           </a:p>
         </p:txBody>
       </p:sp>
+      <p:sp>
+        <p:nvSpPr>
+          <p:cNvPr id="11" name="TextBox 10"/>
+          <p:cNvSpPr txBox="1"/>
+          <p:nvPr/>
+        </p:nvSpPr>
+        <p:spPr>
+          <a:xfrm>
+            <a:off x="721037" y="980728"/>
+            <a:ext cx="8712968" cy="494494"/>
+          </a:xfrm>
+          <a:prstGeom prst="rect">
+            <a:avLst/>
+          </a:prstGeom>
+          <a:noFill/>
+        </p:spPr>
+        <p:txBody>
+          <a:bodyPr wrap="square" rtlCol="0">
+            <a:spAutoFit/>
+          </a:bodyPr>
+          <a:lstStyle/>
+          <a:p>
+            <a:pPr>
+              <a:lnSpc>
+                <a:spcPct val="150000"/>
+              </a:lnSpc>
+            </a:pPr>
+            <a:r>
+              <a:rPr lang="ko-KR" altLang="en-US" sz="2000" b="1" dirty="0" smtClean="0"/>
+              <a:t>주소록</a:t>
+            </a:r>
+            <a:r>
+              <a:rPr lang="en-US" altLang="ko-KR" sz="2000" b="1" dirty="0" smtClean="0"/>
+              <a:t>(Address Book) </a:t>
+            </a:r>
+            <a:r>
+              <a:rPr lang="ko-KR" altLang="en-US" sz="2000" b="1" dirty="0" smtClean="0"/>
+              <a:t>구현</a:t>
+            </a:r>
+            <a:endParaRPr lang="en-US" altLang="ko-KR" sz="2000" b="1" dirty="0" smtClean="0"/>
+          </a:p>
+        </p:txBody>
+      </p:sp>
       <p:pic>
         <p:nvPicPr>
           <p:cNvPr id="3" name="그림 2"/>
@@ -7835,8 +6301,8 @@
         </p:blipFill>
         <p:spPr>
           <a:xfrm>
-            <a:off x="849228" y="1556792"/>
-            <a:ext cx="8352244" cy="4221846"/>
+            <a:off x="848544" y="1628366"/>
+            <a:ext cx="8414887" cy="4392922"/>
           </a:xfrm>
           <a:prstGeom prst="rect">
             <a:avLst/>
@@ -7855,7 +6321,7 @@
           <p:cNvPr id="6" name="모서리가 둥근 직사각형 5">
             <a:extLst>
               <a:ext uri="{FF2B5EF4-FFF2-40B4-BE49-F238E27FC236}">
-                <a16:creationId xmlns:a16="http://schemas.microsoft.com/office/drawing/2014/main" xmlns="" id="{792DA8B4-17B2-454B-97AC-17311A4832C5}"/>
+                <a16:creationId xmlns:a16="http://schemas.microsoft.com/office/drawing/2014/main" id="{792DA8B4-17B2-454B-97AC-17311A4832C5}"/>
               </a:ext>
             </a:extLst>
           </p:cNvPr>
@@ -7864,7 +6330,7 @@
         </p:nvSpPr>
         <p:spPr>
           <a:xfrm>
-            <a:off x="7185248" y="1152325"/>
+            <a:off x="6897216" y="2162474"/>
             <a:ext cx="1944216" cy="317650"/>
           </a:xfrm>
           <a:prstGeom prst="roundRect">
@@ -7897,20 +6363,25 @@
           <a:p>
             <a:pPr algn="ctr"/>
             <a:r>
-              <a:rPr lang="en-US" altLang="ko-KR" sz="1600" dirty="0" smtClean="0">
+              <a:rPr lang="en-US" altLang="ko-KR" sz="1600" dirty="0" err="1" smtClean="0">
                 <a:solidFill>
                   <a:sysClr val="windowText" lastClr="000000"/>
                 </a:solidFill>
               </a:rPr>
-              <a:t>Addrbook.css</a:t>
-            </a:r>
+              <a:t>addrForm.jsp</a:t>
+            </a:r>
+            <a:endParaRPr lang="en-US" altLang="ko-KR" sz="1600" dirty="0" smtClean="0">
+              <a:solidFill>
+                <a:sysClr val="windowText" lastClr="000000"/>
+              </a:solidFill>
+            </a:endParaRPr>
           </a:p>
         </p:txBody>
       </p:sp>
     </p:spTree>
     <p:extLst>
       <p:ext uri="{BB962C8B-B14F-4D97-AF65-F5344CB8AC3E}">
-        <p14:creationId xmlns:p14="http://schemas.microsoft.com/office/powerpoint/2010/main" val="859161927"/>
+        <p14:creationId xmlns:p14="http://schemas.microsoft.com/office/powerpoint/2010/main" val="666061831"/>
       </p:ext>
     </p:extLst>
   </p:cSld>
@@ -8026,8 +6497,8 @@
         </p:blipFill>
         <p:spPr>
           <a:xfrm>
-            <a:off x="536036" y="2204864"/>
-            <a:ext cx="5314998" cy="2448272"/>
+            <a:off x="1064568" y="1340768"/>
+            <a:ext cx="7407282" cy="4343776"/>
           </a:xfrm>
           <a:prstGeom prst="rect">
             <a:avLst/>
@@ -8041,49 +6512,12 @@
           </a:ln>
         </p:spPr>
       </p:pic>
-      <p:pic>
-        <p:nvPicPr>
-          <p:cNvPr id="3" name="그림 2"/>
-          <p:cNvPicPr>
-            <a:picLocks noChangeAspect="1"/>
-          </p:cNvPicPr>
-          <p:nvPr/>
-        </p:nvPicPr>
-        <p:blipFill>
-          <a:blip r:embed="rId3">
-            <a:extLst>
-              <a:ext uri="{28A0092B-C50C-407E-A947-70E740481C1C}">
-                <a14:useLocalDpi xmlns:a14="http://schemas.microsoft.com/office/drawing/2010/main" val="0"/>
-              </a:ext>
-            </a:extLst>
-          </a:blip>
-          <a:stretch>
-            <a:fillRect/>
-          </a:stretch>
-        </p:blipFill>
-        <p:spPr>
-          <a:xfrm>
-            <a:off x="5943864" y="1772815"/>
-            <a:ext cx="3566391" cy="3856383"/>
-          </a:xfrm>
-          <a:prstGeom prst="rect">
-            <a:avLst/>
-          </a:prstGeom>
-          <a:ln>
-            <a:solidFill>
-              <a:schemeClr val="bg1">
-                <a:lumMod val="85000"/>
-              </a:schemeClr>
-            </a:solidFill>
-          </a:ln>
-        </p:spPr>
-      </p:pic>
-      <p:sp>
-        <p:nvSpPr>
-          <p:cNvPr id="8" name="모서리가 둥근 직사각형 7">
+      <p:sp>
+        <p:nvSpPr>
+          <p:cNvPr id="6" name="모서리가 둥근 직사각형 5">
             <a:extLst>
               <a:ext uri="{FF2B5EF4-FFF2-40B4-BE49-F238E27FC236}">
-                <a16:creationId xmlns:a16="http://schemas.microsoft.com/office/drawing/2014/main" xmlns="" id="{792DA8B4-17B2-454B-97AC-17311A4832C5}"/>
+                <a16:creationId xmlns:a16="http://schemas.microsoft.com/office/drawing/2014/main" id="{792DA8B4-17B2-454B-97AC-17311A4832C5}"/>
               </a:ext>
             </a:extLst>
           </p:cNvPr>
@@ -8092,7 +6526,7 @@
         </p:nvSpPr>
         <p:spPr>
           <a:xfrm>
-            <a:off x="536036" y="1771393"/>
+            <a:off x="7257256" y="1556792"/>
             <a:ext cx="1944216" cy="317650"/>
           </a:xfrm>
           <a:prstGeom prst="roundRect">
@@ -8130,7 +6564,7 @@
                   <a:sysClr val="windowText" lastClr="000000"/>
                 </a:solidFill>
               </a:rPr>
-              <a:t>AddrBook.java</a:t>
+              <a:t>addrForm.html</a:t>
             </a:r>
           </a:p>
         </p:txBody>
@@ -8138,7 +6572,7 @@
     </p:spTree>
     <p:extLst>
       <p:ext uri="{BB962C8B-B14F-4D97-AF65-F5344CB8AC3E}">
-        <p14:creationId xmlns:p14="http://schemas.microsoft.com/office/powerpoint/2010/main" val="1124016552"/>
+        <p14:creationId xmlns:p14="http://schemas.microsoft.com/office/powerpoint/2010/main" val="3950953149"/>
       </p:ext>
     </p:extLst>
   </p:cSld>
@@ -8234,7 +6668,7 @@
       </p:sp>
       <p:pic>
         <p:nvPicPr>
-          <p:cNvPr id="4" name="그림 3"/>
+          <p:cNvPr id="2" name="그림 1"/>
           <p:cNvPicPr>
             <a:picLocks noChangeAspect="1"/>
           </p:cNvPicPr>
@@ -8254,8 +6688,8 @@
         </p:blipFill>
         <p:spPr>
           <a:xfrm>
-            <a:off x="1109167" y="1772816"/>
-            <a:ext cx="6480043" cy="3708835"/>
+            <a:off x="776536" y="1660649"/>
+            <a:ext cx="8192210" cy="4023709"/>
           </a:xfrm>
           <a:prstGeom prst="rect">
             <a:avLst/>
@@ -8271,10 +6705,10 @@
       </p:pic>
       <p:sp>
         <p:nvSpPr>
-          <p:cNvPr id="7" name="모서리가 둥근 직사각형 6">
+          <p:cNvPr id="6" name="모서리가 둥근 직사각형 5">
             <a:extLst>
               <a:ext uri="{FF2B5EF4-FFF2-40B4-BE49-F238E27FC236}">
-                <a16:creationId xmlns:a16="http://schemas.microsoft.com/office/drawing/2014/main" xmlns="" id="{792DA8B4-17B2-454B-97AC-17311A4832C5}"/>
+                <a16:creationId xmlns:a16="http://schemas.microsoft.com/office/drawing/2014/main" id="{792DA8B4-17B2-454B-97AC-17311A4832C5}"/>
               </a:ext>
             </a:extLst>
           </p:cNvPr>
@@ -8283,8 +6717,8 @@
         </p:nvSpPr>
         <p:spPr>
           <a:xfrm>
-            <a:off x="1067678" y="1239142"/>
-            <a:ext cx="2232248" cy="317650"/>
+            <a:off x="7023230" y="1196752"/>
+            <a:ext cx="1944216" cy="317650"/>
           </a:xfrm>
           <a:prstGeom prst="roundRect">
             <a:avLst/>
@@ -8321,7 +6755,7 @@
                   <a:sysClr val="windowText" lastClr="000000"/>
                 </a:solidFill>
               </a:rPr>
-              <a:t>AddrBookDAO.java</a:t>
+              <a:t>Addrbook.css</a:t>
             </a:r>
           </a:p>
         </p:txBody>
@@ -8329,7 +6763,7 @@
     </p:spTree>
     <p:extLst>
       <p:ext uri="{BB962C8B-B14F-4D97-AF65-F5344CB8AC3E}">
-        <p14:creationId xmlns:p14="http://schemas.microsoft.com/office/powerpoint/2010/main" val="2732766890"/>
+        <p14:creationId xmlns:p14="http://schemas.microsoft.com/office/powerpoint/2010/main" val="859161927"/>
       </p:ext>
     </p:extLst>
   </p:cSld>
